--- a/7_Project_3_Data_Warehouse/Data_Warehouse.pptx
+++ b/7_Project_3_Data_Warehouse/Data_Warehouse.pptx
@@ -2,18 +2,18 @@
 <file path=ppt/presentation.xml><?xml version="1.0" encoding="utf-8"?>
 <p:presentation xmlns:a="http://schemas.openxmlformats.org/drawingml/2006/main" xmlns:r="http://schemas.openxmlformats.org/officeDocument/2006/relationships" xmlns:p="http://schemas.openxmlformats.org/presentationml/2006/main" saveSubsetFonts="1">
   <p:sldMasterIdLst>
-    <p:sldMasterId id="2147483648" r:id="rId1"/>
+    <p:sldMasterId id="2147483660" r:id="rId1"/>
   </p:sldMasterIdLst>
   <p:sldIdLst>
     <p:sldId id="256" r:id="rId2"/>
   </p:sldIdLst>
-  <p:sldSz cx="12192000" cy="6858000"/>
+  <p:sldSz cx="15792450" cy="10458450"/>
   <p:notesSz cx="6858000" cy="9144000"/>
   <p:defaultTextStyle>
     <a:defPPr>
-      <a:defRPr lang="es-MX"/>
+      <a:defRPr lang="en-US"/>
     </a:defPPr>
-    <a:lvl1pPr marL="0" algn="l" defTabSz="914400" rtl="0" eaLnBrk="1" latinLnBrk="0" hangingPunct="1">
+    <a:lvl1pPr marL="0" algn="l" defTabSz="457200" rtl="0" eaLnBrk="1" latinLnBrk="0" hangingPunct="1">
       <a:defRPr sz="1800" kern="1200">
         <a:solidFill>
           <a:schemeClr val="tx1"/>
@@ -23,7 +23,7 @@
         <a:cs typeface="+mn-cs"/>
       </a:defRPr>
     </a:lvl1pPr>
-    <a:lvl2pPr marL="457200" algn="l" defTabSz="914400" rtl="0" eaLnBrk="1" latinLnBrk="0" hangingPunct="1">
+    <a:lvl2pPr marL="457200" algn="l" defTabSz="457200" rtl="0" eaLnBrk="1" latinLnBrk="0" hangingPunct="1">
       <a:defRPr sz="1800" kern="1200">
         <a:solidFill>
           <a:schemeClr val="tx1"/>
@@ -33,7 +33,7 @@
         <a:cs typeface="+mn-cs"/>
       </a:defRPr>
     </a:lvl2pPr>
-    <a:lvl3pPr marL="914400" algn="l" defTabSz="914400" rtl="0" eaLnBrk="1" latinLnBrk="0" hangingPunct="1">
+    <a:lvl3pPr marL="914400" algn="l" defTabSz="457200" rtl="0" eaLnBrk="1" latinLnBrk="0" hangingPunct="1">
       <a:defRPr sz="1800" kern="1200">
         <a:solidFill>
           <a:schemeClr val="tx1"/>
@@ -43,7 +43,7 @@
         <a:cs typeface="+mn-cs"/>
       </a:defRPr>
     </a:lvl3pPr>
-    <a:lvl4pPr marL="1371600" algn="l" defTabSz="914400" rtl="0" eaLnBrk="1" latinLnBrk="0" hangingPunct="1">
+    <a:lvl4pPr marL="1371600" algn="l" defTabSz="457200" rtl="0" eaLnBrk="1" latinLnBrk="0" hangingPunct="1">
       <a:defRPr sz="1800" kern="1200">
         <a:solidFill>
           <a:schemeClr val="tx1"/>
@@ -53,7 +53,7 @@
         <a:cs typeface="+mn-cs"/>
       </a:defRPr>
     </a:lvl4pPr>
-    <a:lvl5pPr marL="1828800" algn="l" defTabSz="914400" rtl="0" eaLnBrk="1" latinLnBrk="0" hangingPunct="1">
+    <a:lvl5pPr marL="1828800" algn="l" defTabSz="457200" rtl="0" eaLnBrk="1" latinLnBrk="0" hangingPunct="1">
       <a:defRPr sz="1800" kern="1200">
         <a:solidFill>
           <a:schemeClr val="tx1"/>
@@ -63,7 +63,7 @@
         <a:cs typeface="+mn-cs"/>
       </a:defRPr>
     </a:lvl5pPr>
-    <a:lvl6pPr marL="2286000" algn="l" defTabSz="914400" rtl="0" eaLnBrk="1" latinLnBrk="0" hangingPunct="1">
+    <a:lvl6pPr marL="2286000" algn="l" defTabSz="457200" rtl="0" eaLnBrk="1" latinLnBrk="0" hangingPunct="1">
       <a:defRPr sz="1800" kern="1200">
         <a:solidFill>
           <a:schemeClr val="tx1"/>
@@ -73,7 +73,7 @@
         <a:cs typeface="+mn-cs"/>
       </a:defRPr>
     </a:lvl6pPr>
-    <a:lvl7pPr marL="2743200" algn="l" defTabSz="914400" rtl="0" eaLnBrk="1" latinLnBrk="0" hangingPunct="1">
+    <a:lvl7pPr marL="2743200" algn="l" defTabSz="457200" rtl="0" eaLnBrk="1" latinLnBrk="0" hangingPunct="1">
       <a:defRPr sz="1800" kern="1200">
         <a:solidFill>
           <a:schemeClr val="tx1"/>
@@ -83,7 +83,7 @@
         <a:cs typeface="+mn-cs"/>
       </a:defRPr>
     </a:lvl7pPr>
-    <a:lvl8pPr marL="3200400" algn="l" defTabSz="914400" rtl="0" eaLnBrk="1" latinLnBrk="0" hangingPunct="1">
+    <a:lvl8pPr marL="3200400" algn="l" defTabSz="457200" rtl="0" eaLnBrk="1" latinLnBrk="0" hangingPunct="1">
       <a:defRPr sz="1800" kern="1200">
         <a:solidFill>
           <a:schemeClr val="tx1"/>
@@ -93,7 +93,7 @@
         <a:cs typeface="+mn-cs"/>
       </a:defRPr>
     </a:lvl8pPr>
-    <a:lvl9pPr marL="3657600" algn="l" defTabSz="914400" rtl="0" eaLnBrk="1" latinLnBrk="0" hangingPunct="1">
+    <a:lvl9pPr marL="3657600" algn="l" defTabSz="457200" rtl="0" eaLnBrk="1" latinLnBrk="0" hangingPunct="1">
       <a:defRPr sz="1800" kern="1200">
         <a:solidFill>
           <a:schemeClr val="tx1"/>
@@ -104,6 +104,11 @@
       </a:defRPr>
     </a:lvl9pPr>
   </p:defaultTextStyle>
+  <p:extLst>
+    <p:ext uri="{EFAFB233-063F-42B5-8137-9DF3F51BA10A}">
+      <p15:sldGuideLst xmlns:p15="http://schemas.microsoft.com/office/powerpoint/2012/main"/>
+    </p:ext>
+  </p:extLst>
 </p:presentation>
 </file>
 
@@ -126,13 +131,7 @@
       </p:grpSpPr>
       <p:sp>
         <p:nvSpPr>
-          <p:cNvPr id="2" name="Título 1">
-            <a:extLst>
-              <a:ext uri="{FF2B5EF4-FFF2-40B4-BE49-F238E27FC236}">
-                <a16:creationId xmlns:a16="http://schemas.microsoft.com/office/drawing/2014/main" id="{B7E685DB-0402-42B5-B9EB-41B49146B0EB}"/>
-              </a:ext>
-            </a:extLst>
-          </p:cNvPr>
+          <p:cNvPr id="2" name="Title 1"/>
           <p:cNvSpPr>
             <a:spLocks noGrp="1"/>
           </p:cNvSpPr>
@@ -142,15 +141,15 @@
         </p:nvSpPr>
         <p:spPr>
           <a:xfrm>
-            <a:off x="1524000" y="1122363"/>
-            <a:ext cx="9144000" cy="2387600"/>
+            <a:off x="1184434" y="1711604"/>
+            <a:ext cx="13423583" cy="3641090"/>
           </a:xfrm>
         </p:spPr>
         <p:txBody>
           <a:bodyPr anchor="b"/>
           <a:lstStyle>
             <a:lvl1pPr algn="ctr">
-              <a:defRPr sz="6000"/>
+              <a:defRPr sz="9150"/>
             </a:lvl1pPr>
           </a:lstStyle>
           <a:p>
@@ -158,19 +157,13 @@
               <a:rPr lang="es-ES"/>
               <a:t>Haga clic para modificar el estilo de título del patrón</a:t>
             </a:r>
-            <a:endParaRPr lang="es-MX"/>
-          </a:p>
-        </p:txBody>
-      </p:sp>
-      <p:sp>
-        <p:nvSpPr>
-          <p:cNvPr id="3" name="Subtítulo 2">
-            <a:extLst>
-              <a:ext uri="{FF2B5EF4-FFF2-40B4-BE49-F238E27FC236}">
-                <a16:creationId xmlns:a16="http://schemas.microsoft.com/office/drawing/2014/main" id="{69E58743-4DDD-475D-A216-19113615696A}"/>
-              </a:ext>
-            </a:extLst>
-          </p:cNvPr>
+            <a:endParaRPr lang="en-US" dirty="0"/>
+          </a:p>
+        </p:txBody>
+      </p:sp>
+      <p:sp>
+        <p:nvSpPr>
+          <p:cNvPr id="3" name="Subtitle 2"/>
           <p:cNvSpPr>
             <a:spLocks noGrp="1"/>
           </p:cNvSpPr>
@@ -180,8 +173,8 @@
         </p:nvSpPr>
         <p:spPr>
           <a:xfrm>
-            <a:off x="1524000" y="3602038"/>
-            <a:ext cx="9144000" cy="1655762"/>
+            <a:off x="1974056" y="5493108"/>
+            <a:ext cx="11844338" cy="2525037"/>
           </a:xfrm>
         </p:spPr>
         <p:txBody>
@@ -189,39 +182,39 @@
           <a:lstStyle>
             <a:lvl1pPr marL="0" indent="0" algn="ctr">
               <a:buNone/>
-              <a:defRPr sz="2400"/>
+              <a:defRPr sz="3660"/>
             </a:lvl1pPr>
-            <a:lvl2pPr marL="457200" indent="0" algn="ctr">
-              <a:buNone/>
-              <a:defRPr sz="2000"/>
+            <a:lvl2pPr marL="697230" indent="0" algn="ctr">
+              <a:buNone/>
+              <a:defRPr sz="3050"/>
             </a:lvl2pPr>
-            <a:lvl3pPr marL="914400" indent="0" algn="ctr">
-              <a:buNone/>
-              <a:defRPr sz="1800"/>
+            <a:lvl3pPr marL="1394460" indent="0" algn="ctr">
+              <a:buNone/>
+              <a:defRPr sz="2745"/>
             </a:lvl3pPr>
-            <a:lvl4pPr marL="1371600" indent="0" algn="ctr">
-              <a:buNone/>
-              <a:defRPr sz="1600"/>
+            <a:lvl4pPr marL="2091690" indent="0" algn="ctr">
+              <a:buNone/>
+              <a:defRPr sz="2440"/>
             </a:lvl4pPr>
-            <a:lvl5pPr marL="1828800" indent="0" algn="ctr">
-              <a:buNone/>
-              <a:defRPr sz="1600"/>
+            <a:lvl5pPr marL="2788920" indent="0" algn="ctr">
+              <a:buNone/>
+              <a:defRPr sz="2440"/>
             </a:lvl5pPr>
-            <a:lvl6pPr marL="2286000" indent="0" algn="ctr">
-              <a:buNone/>
-              <a:defRPr sz="1600"/>
+            <a:lvl6pPr marL="3486150" indent="0" algn="ctr">
+              <a:buNone/>
+              <a:defRPr sz="2440"/>
             </a:lvl6pPr>
-            <a:lvl7pPr marL="2743200" indent="0" algn="ctr">
-              <a:buNone/>
-              <a:defRPr sz="1600"/>
+            <a:lvl7pPr marL="4183380" indent="0" algn="ctr">
+              <a:buNone/>
+              <a:defRPr sz="2440"/>
             </a:lvl7pPr>
-            <a:lvl8pPr marL="3200400" indent="0" algn="ctr">
-              <a:buNone/>
-              <a:defRPr sz="1600"/>
+            <a:lvl8pPr marL="4880610" indent="0" algn="ctr">
+              <a:buNone/>
+              <a:defRPr sz="2440"/>
             </a:lvl8pPr>
-            <a:lvl9pPr marL="3657600" indent="0" algn="ctr">
-              <a:buNone/>
-              <a:defRPr sz="1600"/>
+            <a:lvl9pPr marL="5577840" indent="0" algn="ctr">
+              <a:buNone/>
+              <a:defRPr sz="2440"/>
             </a:lvl9pPr>
           </a:lstStyle>
           <a:p>
@@ -229,19 +222,13 @@
               <a:rPr lang="es-ES"/>
               <a:t>Haga clic para modificar el estilo de subtítulo del patrón</a:t>
             </a:r>
-            <a:endParaRPr lang="es-MX"/>
-          </a:p>
-        </p:txBody>
-      </p:sp>
-      <p:sp>
-        <p:nvSpPr>
-          <p:cNvPr id="4" name="Marcador de fecha 3">
-            <a:extLst>
-              <a:ext uri="{FF2B5EF4-FFF2-40B4-BE49-F238E27FC236}">
-                <a16:creationId xmlns:a16="http://schemas.microsoft.com/office/drawing/2014/main" id="{CB38808E-114E-4EFA-A92B-C6B8EF9B8FE8}"/>
-              </a:ext>
-            </a:extLst>
-          </p:cNvPr>
+            <a:endParaRPr lang="en-US" dirty="0"/>
+          </a:p>
+        </p:txBody>
+      </p:sp>
+      <p:sp>
+        <p:nvSpPr>
+          <p:cNvPr id="4" name="Date Placeholder 3"/>
           <p:cNvSpPr>
             <a:spLocks noGrp="1"/>
           </p:cNvSpPr>
@@ -256,7 +243,7 @@
           <a:p>
             <a:fld id="{6A87B696-1102-4874-86CF-7F32C533EC34}" type="datetimeFigureOut">
               <a:rPr lang="es-MX" smtClean="0"/>
-              <a:t>28/03/2021</a:t>
+              <a:t>05/04/2021</a:t>
             </a:fld>
             <a:endParaRPr lang="es-MX"/>
           </a:p>
@@ -264,13 +251,7 @@
       </p:sp>
       <p:sp>
         <p:nvSpPr>
-          <p:cNvPr id="5" name="Marcador de pie de página 4">
-            <a:extLst>
-              <a:ext uri="{FF2B5EF4-FFF2-40B4-BE49-F238E27FC236}">
-                <a16:creationId xmlns:a16="http://schemas.microsoft.com/office/drawing/2014/main" id="{B946C0D8-12FF-4284-BBA9-8A90767A00DD}"/>
-              </a:ext>
-            </a:extLst>
-          </p:cNvPr>
+          <p:cNvPr id="5" name="Footer Placeholder 4"/>
           <p:cNvSpPr>
             <a:spLocks noGrp="1"/>
           </p:cNvSpPr>
@@ -289,13 +270,7 @@
       </p:sp>
       <p:sp>
         <p:nvSpPr>
-          <p:cNvPr id="6" name="Marcador de número de diapositiva 5">
-            <a:extLst>
-              <a:ext uri="{FF2B5EF4-FFF2-40B4-BE49-F238E27FC236}">
-                <a16:creationId xmlns:a16="http://schemas.microsoft.com/office/drawing/2014/main" id="{6CED3A32-D694-4921-B844-65525E6EA173}"/>
-              </a:ext>
-            </a:extLst>
-          </p:cNvPr>
+          <p:cNvPr id="6" name="Slide Number Placeholder 5"/>
           <p:cNvSpPr>
             <a:spLocks noGrp="1"/>
           </p:cNvSpPr>
@@ -319,7 +294,7 @@
     </p:spTree>
     <p:extLst>
       <p:ext uri="{BB962C8B-B14F-4D97-AF65-F5344CB8AC3E}">
-        <p14:creationId xmlns:p14="http://schemas.microsoft.com/office/powerpoint/2010/main" val="4273148975"/>
+        <p14:creationId xmlns:p14="http://schemas.microsoft.com/office/powerpoint/2010/main" val="590218194"/>
       </p:ext>
     </p:extLst>
   </p:cSld>
@@ -348,13 +323,7 @@
       </p:grpSpPr>
       <p:sp>
         <p:nvSpPr>
-          <p:cNvPr id="2" name="Título 1">
-            <a:extLst>
-              <a:ext uri="{FF2B5EF4-FFF2-40B4-BE49-F238E27FC236}">
-                <a16:creationId xmlns:a16="http://schemas.microsoft.com/office/drawing/2014/main" id="{6752A6EE-E7F9-4D5F-B2D1-5CAAC39B8953}"/>
-              </a:ext>
-            </a:extLst>
-          </p:cNvPr>
+          <p:cNvPr id="2" name="Title 1"/>
           <p:cNvSpPr>
             <a:spLocks noGrp="1"/>
           </p:cNvSpPr>
@@ -371,19 +340,13 @@
               <a:rPr lang="es-ES"/>
               <a:t>Haga clic para modificar el estilo de título del patrón</a:t>
             </a:r>
-            <a:endParaRPr lang="es-MX"/>
-          </a:p>
-        </p:txBody>
-      </p:sp>
-      <p:sp>
-        <p:nvSpPr>
-          <p:cNvPr id="3" name="Marcador de texto vertical 2">
-            <a:extLst>
-              <a:ext uri="{FF2B5EF4-FFF2-40B4-BE49-F238E27FC236}">
-                <a16:creationId xmlns:a16="http://schemas.microsoft.com/office/drawing/2014/main" id="{5C9F7F79-CFD6-4BE6-8356-EDA93F3B34B4}"/>
-              </a:ext>
-            </a:extLst>
-          </p:cNvPr>
+            <a:endParaRPr lang="en-US" dirty="0"/>
+          </a:p>
+        </p:txBody>
+      </p:sp>
+      <p:sp>
+        <p:nvSpPr>
+          <p:cNvPr id="3" name="Vertical Text Placeholder 2"/>
           <p:cNvSpPr>
             <a:spLocks noGrp="1"/>
           </p:cNvSpPr>
@@ -429,19 +392,13 @@
               <a:rPr lang="es-ES"/>
               <a:t>Quinto nivel</a:t>
             </a:r>
-            <a:endParaRPr lang="es-MX"/>
-          </a:p>
-        </p:txBody>
-      </p:sp>
-      <p:sp>
-        <p:nvSpPr>
-          <p:cNvPr id="4" name="Marcador de fecha 3">
-            <a:extLst>
-              <a:ext uri="{FF2B5EF4-FFF2-40B4-BE49-F238E27FC236}">
-                <a16:creationId xmlns:a16="http://schemas.microsoft.com/office/drawing/2014/main" id="{12B2B9DD-1B78-4BA3-9B2F-81F466644EFE}"/>
-              </a:ext>
-            </a:extLst>
-          </p:cNvPr>
+            <a:endParaRPr lang="en-US" dirty="0"/>
+          </a:p>
+        </p:txBody>
+      </p:sp>
+      <p:sp>
+        <p:nvSpPr>
+          <p:cNvPr id="4" name="Date Placeholder 3"/>
           <p:cNvSpPr>
             <a:spLocks noGrp="1"/>
           </p:cNvSpPr>
@@ -456,7 +413,7 @@
           <a:p>
             <a:fld id="{6A87B696-1102-4874-86CF-7F32C533EC34}" type="datetimeFigureOut">
               <a:rPr lang="es-MX" smtClean="0"/>
-              <a:t>28/03/2021</a:t>
+              <a:t>05/04/2021</a:t>
             </a:fld>
             <a:endParaRPr lang="es-MX"/>
           </a:p>
@@ -464,13 +421,7 @@
       </p:sp>
       <p:sp>
         <p:nvSpPr>
-          <p:cNvPr id="5" name="Marcador de pie de página 4">
-            <a:extLst>
-              <a:ext uri="{FF2B5EF4-FFF2-40B4-BE49-F238E27FC236}">
-                <a16:creationId xmlns:a16="http://schemas.microsoft.com/office/drawing/2014/main" id="{598087C0-ED6A-4670-80A4-29084CA995AD}"/>
-              </a:ext>
-            </a:extLst>
-          </p:cNvPr>
+          <p:cNvPr id="5" name="Footer Placeholder 4"/>
           <p:cNvSpPr>
             <a:spLocks noGrp="1"/>
           </p:cNvSpPr>
@@ -489,13 +440,7 @@
       </p:sp>
       <p:sp>
         <p:nvSpPr>
-          <p:cNvPr id="6" name="Marcador de número de diapositiva 5">
-            <a:extLst>
-              <a:ext uri="{FF2B5EF4-FFF2-40B4-BE49-F238E27FC236}">
-                <a16:creationId xmlns:a16="http://schemas.microsoft.com/office/drawing/2014/main" id="{F75F2D64-498F-4119-8BDB-36C2E6F7B7BE}"/>
-              </a:ext>
-            </a:extLst>
-          </p:cNvPr>
+          <p:cNvPr id="6" name="Slide Number Placeholder 5"/>
           <p:cNvSpPr>
             <a:spLocks noGrp="1"/>
           </p:cNvSpPr>
@@ -519,7 +464,7 @@
     </p:spTree>
     <p:extLst>
       <p:ext uri="{BB962C8B-B14F-4D97-AF65-F5344CB8AC3E}">
-        <p14:creationId xmlns:p14="http://schemas.microsoft.com/office/powerpoint/2010/main" val="2815610408"/>
+        <p14:creationId xmlns:p14="http://schemas.microsoft.com/office/powerpoint/2010/main" val="1786729961"/>
       </p:ext>
     </p:extLst>
   </p:cSld>
@@ -548,13 +493,7 @@
       </p:grpSpPr>
       <p:sp>
         <p:nvSpPr>
-          <p:cNvPr id="2" name="Título vertical 1">
-            <a:extLst>
-              <a:ext uri="{FF2B5EF4-FFF2-40B4-BE49-F238E27FC236}">
-                <a16:creationId xmlns:a16="http://schemas.microsoft.com/office/drawing/2014/main" id="{4F9A9662-21A7-4EEB-BF2A-C5C21582E8FD}"/>
-              </a:ext>
-            </a:extLst>
-          </p:cNvPr>
+          <p:cNvPr id="2" name="Vertical Title 1"/>
           <p:cNvSpPr>
             <a:spLocks noGrp="1"/>
           </p:cNvSpPr>
@@ -564,8 +503,8 @@
         </p:nvSpPr>
         <p:spPr>
           <a:xfrm>
-            <a:off x="8724900" y="365125"/>
-            <a:ext cx="2628900" cy="5811838"/>
+            <a:off x="11301473" y="556816"/>
+            <a:ext cx="3405247" cy="8863053"/>
           </a:xfrm>
         </p:spPr>
         <p:txBody>
@@ -576,19 +515,13 @@
               <a:rPr lang="es-ES"/>
               <a:t>Haga clic para modificar el estilo de título del patrón</a:t>
             </a:r>
-            <a:endParaRPr lang="es-MX"/>
-          </a:p>
-        </p:txBody>
-      </p:sp>
-      <p:sp>
-        <p:nvSpPr>
-          <p:cNvPr id="3" name="Marcador de texto vertical 2">
-            <a:extLst>
-              <a:ext uri="{FF2B5EF4-FFF2-40B4-BE49-F238E27FC236}">
-                <a16:creationId xmlns:a16="http://schemas.microsoft.com/office/drawing/2014/main" id="{2C0D3495-CB00-4DF1-A17B-F14DB687395F}"/>
-              </a:ext>
-            </a:extLst>
-          </p:cNvPr>
+            <a:endParaRPr lang="en-US" dirty="0"/>
+          </a:p>
+        </p:txBody>
+      </p:sp>
+      <p:sp>
+        <p:nvSpPr>
+          <p:cNvPr id="3" name="Vertical Text Placeholder 2"/>
           <p:cNvSpPr>
             <a:spLocks noGrp="1"/>
           </p:cNvSpPr>
@@ -598,8 +531,8 @@
         </p:nvSpPr>
         <p:spPr>
           <a:xfrm>
-            <a:off x="838200" y="365125"/>
-            <a:ext cx="7734300" cy="5811838"/>
+            <a:off x="1085732" y="556816"/>
+            <a:ext cx="10018335" cy="8863053"/>
           </a:xfrm>
         </p:spPr>
         <p:txBody>
@@ -639,19 +572,13 @@
               <a:rPr lang="es-ES"/>
               <a:t>Quinto nivel</a:t>
             </a:r>
-            <a:endParaRPr lang="es-MX"/>
-          </a:p>
-        </p:txBody>
-      </p:sp>
-      <p:sp>
-        <p:nvSpPr>
-          <p:cNvPr id="4" name="Marcador de fecha 3">
-            <a:extLst>
-              <a:ext uri="{FF2B5EF4-FFF2-40B4-BE49-F238E27FC236}">
-                <a16:creationId xmlns:a16="http://schemas.microsoft.com/office/drawing/2014/main" id="{6A2EBC11-EEFB-4A10-8DFF-3F3DC9CF0740}"/>
-              </a:ext>
-            </a:extLst>
-          </p:cNvPr>
+            <a:endParaRPr lang="en-US" dirty="0"/>
+          </a:p>
+        </p:txBody>
+      </p:sp>
+      <p:sp>
+        <p:nvSpPr>
+          <p:cNvPr id="4" name="Date Placeholder 3"/>
           <p:cNvSpPr>
             <a:spLocks noGrp="1"/>
           </p:cNvSpPr>
@@ -666,7 +593,7 @@
           <a:p>
             <a:fld id="{6A87B696-1102-4874-86CF-7F32C533EC34}" type="datetimeFigureOut">
               <a:rPr lang="es-MX" smtClean="0"/>
-              <a:t>28/03/2021</a:t>
+              <a:t>05/04/2021</a:t>
             </a:fld>
             <a:endParaRPr lang="es-MX"/>
           </a:p>
@@ -674,13 +601,7 @@
       </p:sp>
       <p:sp>
         <p:nvSpPr>
-          <p:cNvPr id="5" name="Marcador de pie de página 4">
-            <a:extLst>
-              <a:ext uri="{FF2B5EF4-FFF2-40B4-BE49-F238E27FC236}">
-                <a16:creationId xmlns:a16="http://schemas.microsoft.com/office/drawing/2014/main" id="{F2754F64-4B2F-4546-855F-4C9FF734ED9F}"/>
-              </a:ext>
-            </a:extLst>
-          </p:cNvPr>
+          <p:cNvPr id="5" name="Footer Placeholder 4"/>
           <p:cNvSpPr>
             <a:spLocks noGrp="1"/>
           </p:cNvSpPr>
@@ -699,13 +620,7 @@
       </p:sp>
       <p:sp>
         <p:nvSpPr>
-          <p:cNvPr id="6" name="Marcador de número de diapositiva 5">
-            <a:extLst>
-              <a:ext uri="{FF2B5EF4-FFF2-40B4-BE49-F238E27FC236}">
-                <a16:creationId xmlns:a16="http://schemas.microsoft.com/office/drawing/2014/main" id="{FC7A517F-DC00-4D41-8100-B41403DE730B}"/>
-              </a:ext>
-            </a:extLst>
-          </p:cNvPr>
+          <p:cNvPr id="6" name="Slide Number Placeholder 5"/>
           <p:cNvSpPr>
             <a:spLocks noGrp="1"/>
           </p:cNvSpPr>
@@ -729,7 +644,7 @@
     </p:spTree>
     <p:extLst>
       <p:ext uri="{BB962C8B-B14F-4D97-AF65-F5344CB8AC3E}">
-        <p14:creationId xmlns:p14="http://schemas.microsoft.com/office/powerpoint/2010/main" val="1166614209"/>
+        <p14:creationId xmlns:p14="http://schemas.microsoft.com/office/powerpoint/2010/main" val="4290347858"/>
       </p:ext>
     </p:extLst>
   </p:cSld>
@@ -758,13 +673,7 @@
       </p:grpSpPr>
       <p:sp>
         <p:nvSpPr>
-          <p:cNvPr id="2" name="Título 1">
-            <a:extLst>
-              <a:ext uri="{FF2B5EF4-FFF2-40B4-BE49-F238E27FC236}">
-                <a16:creationId xmlns:a16="http://schemas.microsoft.com/office/drawing/2014/main" id="{1BA0D2F6-3122-404F-AF5C-D86B94A24A97}"/>
-              </a:ext>
-            </a:extLst>
-          </p:cNvPr>
+          <p:cNvPr id="2" name="Title 1"/>
           <p:cNvSpPr>
             <a:spLocks noGrp="1"/>
           </p:cNvSpPr>
@@ -781,19 +690,13 @@
               <a:rPr lang="es-ES"/>
               <a:t>Haga clic para modificar el estilo de título del patrón</a:t>
             </a:r>
-            <a:endParaRPr lang="es-MX"/>
-          </a:p>
-        </p:txBody>
-      </p:sp>
-      <p:sp>
-        <p:nvSpPr>
-          <p:cNvPr id="3" name="Marcador de contenido 2">
-            <a:extLst>
-              <a:ext uri="{FF2B5EF4-FFF2-40B4-BE49-F238E27FC236}">
-                <a16:creationId xmlns:a16="http://schemas.microsoft.com/office/drawing/2014/main" id="{906FD59C-130A-456D-BCFA-744ED04E055F}"/>
-              </a:ext>
-            </a:extLst>
-          </p:cNvPr>
+            <a:endParaRPr lang="en-US" dirty="0"/>
+          </a:p>
+        </p:txBody>
+      </p:sp>
+      <p:sp>
+        <p:nvSpPr>
+          <p:cNvPr id="3" name="Content Placeholder 2"/>
           <p:cNvSpPr>
             <a:spLocks noGrp="1"/>
           </p:cNvSpPr>
@@ -839,19 +742,13 @@
               <a:rPr lang="es-ES"/>
               <a:t>Quinto nivel</a:t>
             </a:r>
-            <a:endParaRPr lang="es-MX"/>
-          </a:p>
-        </p:txBody>
-      </p:sp>
-      <p:sp>
-        <p:nvSpPr>
-          <p:cNvPr id="4" name="Marcador de fecha 3">
-            <a:extLst>
-              <a:ext uri="{FF2B5EF4-FFF2-40B4-BE49-F238E27FC236}">
-                <a16:creationId xmlns:a16="http://schemas.microsoft.com/office/drawing/2014/main" id="{8DACB1DF-17E9-491D-9D89-79F0EEDBFDEE}"/>
-              </a:ext>
-            </a:extLst>
-          </p:cNvPr>
+            <a:endParaRPr lang="en-US" dirty="0"/>
+          </a:p>
+        </p:txBody>
+      </p:sp>
+      <p:sp>
+        <p:nvSpPr>
+          <p:cNvPr id="4" name="Date Placeholder 3"/>
           <p:cNvSpPr>
             <a:spLocks noGrp="1"/>
           </p:cNvSpPr>
@@ -866,7 +763,7 @@
           <a:p>
             <a:fld id="{6A87B696-1102-4874-86CF-7F32C533EC34}" type="datetimeFigureOut">
               <a:rPr lang="es-MX" smtClean="0"/>
-              <a:t>28/03/2021</a:t>
+              <a:t>05/04/2021</a:t>
             </a:fld>
             <a:endParaRPr lang="es-MX"/>
           </a:p>
@@ -874,13 +771,7 @@
       </p:sp>
       <p:sp>
         <p:nvSpPr>
-          <p:cNvPr id="5" name="Marcador de pie de página 4">
-            <a:extLst>
-              <a:ext uri="{FF2B5EF4-FFF2-40B4-BE49-F238E27FC236}">
-                <a16:creationId xmlns:a16="http://schemas.microsoft.com/office/drawing/2014/main" id="{82BC91FA-37DC-4A63-9D29-EECF03DB447B}"/>
-              </a:ext>
-            </a:extLst>
-          </p:cNvPr>
+          <p:cNvPr id="5" name="Footer Placeholder 4"/>
           <p:cNvSpPr>
             <a:spLocks noGrp="1"/>
           </p:cNvSpPr>
@@ -899,13 +790,7 @@
       </p:sp>
       <p:sp>
         <p:nvSpPr>
-          <p:cNvPr id="6" name="Marcador de número de diapositiva 5">
-            <a:extLst>
-              <a:ext uri="{FF2B5EF4-FFF2-40B4-BE49-F238E27FC236}">
-                <a16:creationId xmlns:a16="http://schemas.microsoft.com/office/drawing/2014/main" id="{140A5D54-9063-4D0C-971F-985A6EA752DC}"/>
-              </a:ext>
-            </a:extLst>
-          </p:cNvPr>
+          <p:cNvPr id="6" name="Slide Number Placeholder 5"/>
           <p:cNvSpPr>
             <a:spLocks noGrp="1"/>
           </p:cNvSpPr>
@@ -929,7 +814,7 @@
     </p:spTree>
     <p:extLst>
       <p:ext uri="{BB962C8B-B14F-4D97-AF65-F5344CB8AC3E}">
-        <p14:creationId xmlns:p14="http://schemas.microsoft.com/office/powerpoint/2010/main" val="2805141848"/>
+        <p14:creationId xmlns:p14="http://schemas.microsoft.com/office/powerpoint/2010/main" val="534009922"/>
       </p:ext>
     </p:extLst>
   </p:cSld>
@@ -958,13 +843,7 @@
       </p:grpSpPr>
       <p:sp>
         <p:nvSpPr>
-          <p:cNvPr id="2" name="Título 1">
-            <a:extLst>
-              <a:ext uri="{FF2B5EF4-FFF2-40B4-BE49-F238E27FC236}">
-                <a16:creationId xmlns:a16="http://schemas.microsoft.com/office/drawing/2014/main" id="{45FC41BC-8ED6-4FA3-B304-9B73255D911C}"/>
-              </a:ext>
-            </a:extLst>
-          </p:cNvPr>
+          <p:cNvPr id="2" name="Title 1"/>
           <p:cNvSpPr>
             <a:spLocks noGrp="1"/>
           </p:cNvSpPr>
@@ -974,15 +853,15 @@
         </p:nvSpPr>
         <p:spPr>
           <a:xfrm>
-            <a:off x="831850" y="1709738"/>
-            <a:ext cx="10515600" cy="2852737"/>
+            <a:off x="1077507" y="2607353"/>
+            <a:ext cx="13620988" cy="4350424"/>
           </a:xfrm>
         </p:spPr>
         <p:txBody>
           <a:bodyPr anchor="b"/>
           <a:lstStyle>
             <a:lvl1pPr>
-              <a:defRPr sz="6000"/>
+              <a:defRPr sz="9150"/>
             </a:lvl1pPr>
           </a:lstStyle>
           <a:p>
@@ -990,19 +869,13 @@
               <a:rPr lang="es-ES"/>
               <a:t>Haga clic para modificar el estilo de título del patrón</a:t>
             </a:r>
-            <a:endParaRPr lang="es-MX"/>
-          </a:p>
-        </p:txBody>
-      </p:sp>
-      <p:sp>
-        <p:nvSpPr>
-          <p:cNvPr id="3" name="Marcador de texto 2">
-            <a:extLst>
-              <a:ext uri="{FF2B5EF4-FFF2-40B4-BE49-F238E27FC236}">
-                <a16:creationId xmlns:a16="http://schemas.microsoft.com/office/drawing/2014/main" id="{4619CA5D-998D-4B55-A262-FD32684BABC6}"/>
-              </a:ext>
-            </a:extLst>
-          </p:cNvPr>
+            <a:endParaRPr lang="en-US" dirty="0"/>
+          </a:p>
+        </p:txBody>
+      </p:sp>
+      <p:sp>
+        <p:nvSpPr>
+          <p:cNvPr id="3" name="Text Placeholder 2"/>
           <p:cNvSpPr>
             <a:spLocks noGrp="1"/>
           </p:cNvSpPr>
@@ -1012,8 +885,8 @@
         </p:nvSpPr>
         <p:spPr>
           <a:xfrm>
-            <a:off x="831850" y="4589463"/>
-            <a:ext cx="10515600" cy="1500187"/>
+            <a:off x="1077507" y="6998933"/>
+            <a:ext cx="13620988" cy="2287785"/>
           </a:xfrm>
         </p:spPr>
         <p:txBody>
@@ -1021,17 +894,15 @@
           <a:lstStyle>
             <a:lvl1pPr marL="0" indent="0">
               <a:buNone/>
-              <a:defRPr sz="2400">
+              <a:defRPr sz="3660">
                 <a:solidFill>
-                  <a:schemeClr val="tx1">
-                    <a:tint val="75000"/>
-                  </a:schemeClr>
+                  <a:schemeClr val="tx1"/>
                 </a:solidFill>
               </a:defRPr>
             </a:lvl1pPr>
-            <a:lvl2pPr marL="457200" indent="0">
-              <a:buNone/>
-              <a:defRPr sz="2000">
+            <a:lvl2pPr marL="697230" indent="0">
+              <a:buNone/>
+              <a:defRPr sz="3050">
                 <a:solidFill>
                   <a:schemeClr val="tx1">
                     <a:tint val="75000"/>
@@ -1039,9 +910,9 @@
                 </a:solidFill>
               </a:defRPr>
             </a:lvl2pPr>
-            <a:lvl3pPr marL="914400" indent="0">
-              <a:buNone/>
-              <a:defRPr sz="1800">
+            <a:lvl3pPr marL="1394460" indent="0">
+              <a:buNone/>
+              <a:defRPr sz="2745">
                 <a:solidFill>
                   <a:schemeClr val="tx1">
                     <a:tint val="75000"/>
@@ -1049,9 +920,9 @@
                 </a:solidFill>
               </a:defRPr>
             </a:lvl3pPr>
-            <a:lvl4pPr marL="1371600" indent="0">
-              <a:buNone/>
-              <a:defRPr sz="1600">
+            <a:lvl4pPr marL="2091690" indent="0">
+              <a:buNone/>
+              <a:defRPr sz="2440">
                 <a:solidFill>
                   <a:schemeClr val="tx1">
                     <a:tint val="75000"/>
@@ -1059,9 +930,9 @@
                 </a:solidFill>
               </a:defRPr>
             </a:lvl4pPr>
-            <a:lvl5pPr marL="1828800" indent="0">
-              <a:buNone/>
-              <a:defRPr sz="1600">
+            <a:lvl5pPr marL="2788920" indent="0">
+              <a:buNone/>
+              <a:defRPr sz="2440">
                 <a:solidFill>
                   <a:schemeClr val="tx1">
                     <a:tint val="75000"/>
@@ -1069,9 +940,9 @@
                 </a:solidFill>
               </a:defRPr>
             </a:lvl5pPr>
-            <a:lvl6pPr marL="2286000" indent="0">
-              <a:buNone/>
-              <a:defRPr sz="1600">
+            <a:lvl6pPr marL="3486150" indent="0">
+              <a:buNone/>
+              <a:defRPr sz="2440">
                 <a:solidFill>
                   <a:schemeClr val="tx1">
                     <a:tint val="75000"/>
@@ -1079,9 +950,9 @@
                 </a:solidFill>
               </a:defRPr>
             </a:lvl6pPr>
-            <a:lvl7pPr marL="2743200" indent="0">
-              <a:buNone/>
-              <a:defRPr sz="1600">
+            <a:lvl7pPr marL="4183380" indent="0">
+              <a:buNone/>
+              <a:defRPr sz="2440">
                 <a:solidFill>
                   <a:schemeClr val="tx1">
                     <a:tint val="75000"/>
@@ -1089,9 +960,9 @@
                 </a:solidFill>
               </a:defRPr>
             </a:lvl7pPr>
-            <a:lvl8pPr marL="3200400" indent="0">
-              <a:buNone/>
-              <a:defRPr sz="1600">
+            <a:lvl8pPr marL="4880610" indent="0">
+              <a:buNone/>
+              <a:defRPr sz="2440">
                 <a:solidFill>
                   <a:schemeClr val="tx1">
                     <a:tint val="75000"/>
@@ -1099,9 +970,9 @@
                 </a:solidFill>
               </a:defRPr>
             </a:lvl8pPr>
-            <a:lvl9pPr marL="3657600" indent="0">
-              <a:buNone/>
-              <a:defRPr sz="1600">
+            <a:lvl9pPr marL="5577840" indent="0">
+              <a:buNone/>
+              <a:defRPr sz="2440">
                 <a:solidFill>
                   <a:schemeClr val="tx1">
                     <a:tint val="75000"/>
@@ -1121,13 +992,7 @@
       </p:sp>
       <p:sp>
         <p:nvSpPr>
-          <p:cNvPr id="4" name="Marcador de fecha 3">
-            <a:extLst>
-              <a:ext uri="{FF2B5EF4-FFF2-40B4-BE49-F238E27FC236}">
-                <a16:creationId xmlns:a16="http://schemas.microsoft.com/office/drawing/2014/main" id="{A7737C5E-2A01-402F-9DAB-0E83BDE7A9B1}"/>
-              </a:ext>
-            </a:extLst>
-          </p:cNvPr>
+          <p:cNvPr id="4" name="Date Placeholder 3"/>
           <p:cNvSpPr>
             <a:spLocks noGrp="1"/>
           </p:cNvSpPr>
@@ -1142,7 +1007,7 @@
           <a:p>
             <a:fld id="{6A87B696-1102-4874-86CF-7F32C533EC34}" type="datetimeFigureOut">
               <a:rPr lang="es-MX" smtClean="0"/>
-              <a:t>28/03/2021</a:t>
+              <a:t>05/04/2021</a:t>
             </a:fld>
             <a:endParaRPr lang="es-MX"/>
           </a:p>
@@ -1150,13 +1015,7 @@
       </p:sp>
       <p:sp>
         <p:nvSpPr>
-          <p:cNvPr id="5" name="Marcador de pie de página 4">
-            <a:extLst>
-              <a:ext uri="{FF2B5EF4-FFF2-40B4-BE49-F238E27FC236}">
-                <a16:creationId xmlns:a16="http://schemas.microsoft.com/office/drawing/2014/main" id="{566E65E9-20EF-4BAA-AEFE-2878F3251F9A}"/>
-              </a:ext>
-            </a:extLst>
-          </p:cNvPr>
+          <p:cNvPr id="5" name="Footer Placeholder 4"/>
           <p:cNvSpPr>
             <a:spLocks noGrp="1"/>
           </p:cNvSpPr>
@@ -1175,13 +1034,7 @@
       </p:sp>
       <p:sp>
         <p:nvSpPr>
-          <p:cNvPr id="6" name="Marcador de número de diapositiva 5">
-            <a:extLst>
-              <a:ext uri="{FF2B5EF4-FFF2-40B4-BE49-F238E27FC236}">
-                <a16:creationId xmlns:a16="http://schemas.microsoft.com/office/drawing/2014/main" id="{D7A5AC9D-86DF-4CF2-9964-B1F2D873BDD4}"/>
-              </a:ext>
-            </a:extLst>
-          </p:cNvPr>
+          <p:cNvPr id="6" name="Slide Number Placeholder 5"/>
           <p:cNvSpPr>
             <a:spLocks noGrp="1"/>
           </p:cNvSpPr>
@@ -1205,7 +1058,7 @@
     </p:spTree>
     <p:extLst>
       <p:ext uri="{BB962C8B-B14F-4D97-AF65-F5344CB8AC3E}">
-        <p14:creationId xmlns:p14="http://schemas.microsoft.com/office/powerpoint/2010/main" val="3830532121"/>
+        <p14:creationId xmlns:p14="http://schemas.microsoft.com/office/powerpoint/2010/main" val="142778958"/>
       </p:ext>
     </p:extLst>
   </p:cSld>
@@ -1234,13 +1087,7 @@
       </p:grpSpPr>
       <p:sp>
         <p:nvSpPr>
-          <p:cNvPr id="2" name="Título 1">
-            <a:extLst>
-              <a:ext uri="{FF2B5EF4-FFF2-40B4-BE49-F238E27FC236}">
-                <a16:creationId xmlns:a16="http://schemas.microsoft.com/office/drawing/2014/main" id="{CE639630-0A07-4BFF-9E72-FF1EBCC5A385}"/>
-              </a:ext>
-            </a:extLst>
-          </p:cNvPr>
+          <p:cNvPr id="2" name="Title 1"/>
           <p:cNvSpPr>
             <a:spLocks noGrp="1"/>
           </p:cNvSpPr>
@@ -1257,19 +1104,13 @@
               <a:rPr lang="es-ES"/>
               <a:t>Haga clic para modificar el estilo de título del patrón</a:t>
             </a:r>
-            <a:endParaRPr lang="es-MX"/>
-          </a:p>
-        </p:txBody>
-      </p:sp>
-      <p:sp>
-        <p:nvSpPr>
-          <p:cNvPr id="3" name="Marcador de contenido 2">
-            <a:extLst>
-              <a:ext uri="{FF2B5EF4-FFF2-40B4-BE49-F238E27FC236}">
-                <a16:creationId xmlns:a16="http://schemas.microsoft.com/office/drawing/2014/main" id="{B010F921-ABE8-4895-A3A2-1EAD2F627B34}"/>
-              </a:ext>
-            </a:extLst>
-          </p:cNvPr>
+            <a:endParaRPr lang="en-US" dirty="0"/>
+          </a:p>
+        </p:txBody>
+      </p:sp>
+      <p:sp>
+        <p:nvSpPr>
+          <p:cNvPr id="3" name="Content Placeholder 2"/>
           <p:cNvSpPr>
             <a:spLocks noGrp="1"/>
           </p:cNvSpPr>
@@ -1279,8 +1120,8 @@
         </p:nvSpPr>
         <p:spPr>
           <a:xfrm>
-            <a:off x="838200" y="1825625"/>
-            <a:ext cx="5181600" cy="4351338"/>
+            <a:off x="1085731" y="2784078"/>
+            <a:ext cx="6711791" cy="6635790"/>
           </a:xfrm>
         </p:spPr>
         <p:txBody>
@@ -1320,19 +1161,13 @@
               <a:rPr lang="es-ES"/>
               <a:t>Quinto nivel</a:t>
             </a:r>
-            <a:endParaRPr lang="es-MX"/>
-          </a:p>
-        </p:txBody>
-      </p:sp>
-      <p:sp>
-        <p:nvSpPr>
-          <p:cNvPr id="4" name="Marcador de contenido 3">
-            <a:extLst>
-              <a:ext uri="{FF2B5EF4-FFF2-40B4-BE49-F238E27FC236}">
-                <a16:creationId xmlns:a16="http://schemas.microsoft.com/office/drawing/2014/main" id="{87869CB1-5A0F-4C71-B50D-95E4A37CAB6B}"/>
-              </a:ext>
-            </a:extLst>
-          </p:cNvPr>
+            <a:endParaRPr lang="en-US" dirty="0"/>
+          </a:p>
+        </p:txBody>
+      </p:sp>
+      <p:sp>
+        <p:nvSpPr>
+          <p:cNvPr id="4" name="Content Placeholder 3"/>
           <p:cNvSpPr>
             <a:spLocks noGrp="1"/>
           </p:cNvSpPr>
@@ -1342,8 +1177,8 @@
         </p:nvSpPr>
         <p:spPr>
           <a:xfrm>
-            <a:off x="6172200" y="1825625"/>
-            <a:ext cx="5181600" cy="4351338"/>
+            <a:off x="7994928" y="2784078"/>
+            <a:ext cx="6711791" cy="6635790"/>
           </a:xfrm>
         </p:spPr>
         <p:txBody>
@@ -1383,19 +1218,13 @@
               <a:rPr lang="es-ES"/>
               <a:t>Quinto nivel</a:t>
             </a:r>
-            <a:endParaRPr lang="es-MX"/>
-          </a:p>
-        </p:txBody>
-      </p:sp>
-      <p:sp>
-        <p:nvSpPr>
-          <p:cNvPr id="5" name="Marcador de fecha 4">
-            <a:extLst>
-              <a:ext uri="{FF2B5EF4-FFF2-40B4-BE49-F238E27FC236}">
-                <a16:creationId xmlns:a16="http://schemas.microsoft.com/office/drawing/2014/main" id="{A6C6B3FB-51CD-4E11-ADE4-1328B5902C21}"/>
-              </a:ext>
-            </a:extLst>
-          </p:cNvPr>
+            <a:endParaRPr lang="en-US" dirty="0"/>
+          </a:p>
+        </p:txBody>
+      </p:sp>
+      <p:sp>
+        <p:nvSpPr>
+          <p:cNvPr id="5" name="Date Placeholder 4"/>
           <p:cNvSpPr>
             <a:spLocks noGrp="1"/>
           </p:cNvSpPr>
@@ -1410,7 +1239,7 @@
           <a:p>
             <a:fld id="{6A87B696-1102-4874-86CF-7F32C533EC34}" type="datetimeFigureOut">
               <a:rPr lang="es-MX" smtClean="0"/>
-              <a:t>28/03/2021</a:t>
+              <a:t>05/04/2021</a:t>
             </a:fld>
             <a:endParaRPr lang="es-MX"/>
           </a:p>
@@ -1418,13 +1247,7 @@
       </p:sp>
       <p:sp>
         <p:nvSpPr>
-          <p:cNvPr id="6" name="Marcador de pie de página 5">
-            <a:extLst>
-              <a:ext uri="{FF2B5EF4-FFF2-40B4-BE49-F238E27FC236}">
-                <a16:creationId xmlns:a16="http://schemas.microsoft.com/office/drawing/2014/main" id="{AF4A8466-6BCE-4A1A-B639-3117CADC433E}"/>
-              </a:ext>
-            </a:extLst>
-          </p:cNvPr>
+          <p:cNvPr id="6" name="Footer Placeholder 5"/>
           <p:cNvSpPr>
             <a:spLocks noGrp="1"/>
           </p:cNvSpPr>
@@ -1443,13 +1266,7 @@
       </p:sp>
       <p:sp>
         <p:nvSpPr>
-          <p:cNvPr id="7" name="Marcador de número de diapositiva 6">
-            <a:extLst>
-              <a:ext uri="{FF2B5EF4-FFF2-40B4-BE49-F238E27FC236}">
-                <a16:creationId xmlns:a16="http://schemas.microsoft.com/office/drawing/2014/main" id="{3371DD39-72BC-436C-A666-3BECF59EE4B6}"/>
-              </a:ext>
-            </a:extLst>
-          </p:cNvPr>
+          <p:cNvPr id="7" name="Slide Number Placeholder 6"/>
           <p:cNvSpPr>
             <a:spLocks noGrp="1"/>
           </p:cNvSpPr>
@@ -1473,7 +1290,7 @@
     </p:spTree>
     <p:extLst>
       <p:ext uri="{BB962C8B-B14F-4D97-AF65-F5344CB8AC3E}">
-        <p14:creationId xmlns:p14="http://schemas.microsoft.com/office/powerpoint/2010/main" val="1803562922"/>
+        <p14:creationId xmlns:p14="http://schemas.microsoft.com/office/powerpoint/2010/main" val="2776217398"/>
       </p:ext>
     </p:extLst>
   </p:cSld>
@@ -1502,13 +1319,7 @@
       </p:grpSpPr>
       <p:sp>
         <p:nvSpPr>
-          <p:cNvPr id="2" name="Título 1">
-            <a:extLst>
-              <a:ext uri="{FF2B5EF4-FFF2-40B4-BE49-F238E27FC236}">
-                <a16:creationId xmlns:a16="http://schemas.microsoft.com/office/drawing/2014/main" id="{DCD09119-8020-4DAE-9BF3-9A69D7EE39A6}"/>
-              </a:ext>
-            </a:extLst>
-          </p:cNvPr>
+          <p:cNvPr id="2" name="Title 1"/>
           <p:cNvSpPr>
             <a:spLocks noGrp="1"/>
           </p:cNvSpPr>
@@ -1518,8 +1329,8 @@
         </p:nvSpPr>
         <p:spPr>
           <a:xfrm>
-            <a:off x="839788" y="365125"/>
-            <a:ext cx="10515600" cy="1325563"/>
+            <a:off x="1087788" y="556818"/>
+            <a:ext cx="13620988" cy="2021484"/>
           </a:xfrm>
         </p:spPr>
         <p:txBody>
@@ -1530,19 +1341,13 @@
               <a:rPr lang="es-ES"/>
               <a:t>Haga clic para modificar el estilo de título del patrón</a:t>
             </a:r>
-            <a:endParaRPr lang="es-MX"/>
-          </a:p>
-        </p:txBody>
-      </p:sp>
-      <p:sp>
-        <p:nvSpPr>
-          <p:cNvPr id="3" name="Marcador de texto 2">
-            <a:extLst>
-              <a:ext uri="{FF2B5EF4-FFF2-40B4-BE49-F238E27FC236}">
-                <a16:creationId xmlns:a16="http://schemas.microsoft.com/office/drawing/2014/main" id="{8730A25F-E87A-4B94-B424-9E31AB97C5A0}"/>
-              </a:ext>
-            </a:extLst>
-          </p:cNvPr>
+            <a:endParaRPr lang="en-US" dirty="0"/>
+          </a:p>
+        </p:txBody>
+      </p:sp>
+      <p:sp>
+        <p:nvSpPr>
+          <p:cNvPr id="3" name="Text Placeholder 2"/>
           <p:cNvSpPr>
             <a:spLocks noGrp="1"/>
           </p:cNvSpPr>
@@ -1552,8 +1357,8 @@
         </p:nvSpPr>
         <p:spPr>
           <a:xfrm>
-            <a:off x="839788" y="1681163"/>
-            <a:ext cx="5157787" cy="823912"/>
+            <a:off x="1087789" y="2563773"/>
+            <a:ext cx="6680946" cy="1256466"/>
           </a:xfrm>
         </p:spPr>
         <p:txBody>
@@ -1561,39 +1366,39 @@
           <a:lstStyle>
             <a:lvl1pPr marL="0" indent="0">
               <a:buNone/>
-              <a:defRPr sz="2400" b="1"/>
+              <a:defRPr sz="3660" b="1"/>
             </a:lvl1pPr>
-            <a:lvl2pPr marL="457200" indent="0">
-              <a:buNone/>
-              <a:defRPr sz="2000" b="1"/>
+            <a:lvl2pPr marL="697230" indent="0">
+              <a:buNone/>
+              <a:defRPr sz="3050" b="1"/>
             </a:lvl2pPr>
-            <a:lvl3pPr marL="914400" indent="0">
-              <a:buNone/>
-              <a:defRPr sz="1800" b="1"/>
+            <a:lvl3pPr marL="1394460" indent="0">
+              <a:buNone/>
+              <a:defRPr sz="2745" b="1"/>
             </a:lvl3pPr>
-            <a:lvl4pPr marL="1371600" indent="0">
-              <a:buNone/>
-              <a:defRPr sz="1600" b="1"/>
+            <a:lvl4pPr marL="2091690" indent="0">
+              <a:buNone/>
+              <a:defRPr sz="2440" b="1"/>
             </a:lvl4pPr>
-            <a:lvl5pPr marL="1828800" indent="0">
-              <a:buNone/>
-              <a:defRPr sz="1600" b="1"/>
+            <a:lvl5pPr marL="2788920" indent="0">
+              <a:buNone/>
+              <a:defRPr sz="2440" b="1"/>
             </a:lvl5pPr>
-            <a:lvl6pPr marL="2286000" indent="0">
-              <a:buNone/>
-              <a:defRPr sz="1600" b="1"/>
+            <a:lvl6pPr marL="3486150" indent="0">
+              <a:buNone/>
+              <a:defRPr sz="2440" b="1"/>
             </a:lvl6pPr>
-            <a:lvl7pPr marL="2743200" indent="0">
-              <a:buNone/>
-              <a:defRPr sz="1600" b="1"/>
+            <a:lvl7pPr marL="4183380" indent="0">
+              <a:buNone/>
+              <a:defRPr sz="2440" b="1"/>
             </a:lvl7pPr>
-            <a:lvl8pPr marL="3200400" indent="0">
-              <a:buNone/>
-              <a:defRPr sz="1600" b="1"/>
+            <a:lvl8pPr marL="4880610" indent="0">
+              <a:buNone/>
+              <a:defRPr sz="2440" b="1"/>
             </a:lvl8pPr>
-            <a:lvl9pPr marL="3657600" indent="0">
-              <a:buNone/>
-              <a:defRPr sz="1600" b="1"/>
+            <a:lvl9pPr marL="5577840" indent="0">
+              <a:buNone/>
+              <a:defRPr sz="2440" b="1"/>
             </a:lvl9pPr>
           </a:lstStyle>
           <a:p>
@@ -1607,13 +1412,7 @@
       </p:sp>
       <p:sp>
         <p:nvSpPr>
-          <p:cNvPr id="4" name="Marcador de contenido 3">
-            <a:extLst>
-              <a:ext uri="{FF2B5EF4-FFF2-40B4-BE49-F238E27FC236}">
-                <a16:creationId xmlns:a16="http://schemas.microsoft.com/office/drawing/2014/main" id="{84EF4735-BD07-4C3F-AA32-B907E5920E29}"/>
-              </a:ext>
-            </a:extLst>
-          </p:cNvPr>
+          <p:cNvPr id="4" name="Content Placeholder 3"/>
           <p:cNvSpPr>
             <a:spLocks noGrp="1"/>
           </p:cNvSpPr>
@@ -1623,8 +1422,8 @@
         </p:nvSpPr>
         <p:spPr>
           <a:xfrm>
-            <a:off x="839788" y="2505075"/>
-            <a:ext cx="5157787" cy="3684588"/>
+            <a:off x="1087789" y="3820239"/>
+            <a:ext cx="6680946" cy="5618997"/>
           </a:xfrm>
         </p:spPr>
         <p:txBody>
@@ -1664,19 +1463,13 @@
               <a:rPr lang="es-ES"/>
               <a:t>Quinto nivel</a:t>
             </a:r>
-            <a:endParaRPr lang="es-MX"/>
-          </a:p>
-        </p:txBody>
-      </p:sp>
-      <p:sp>
-        <p:nvSpPr>
-          <p:cNvPr id="5" name="Marcador de texto 4">
-            <a:extLst>
-              <a:ext uri="{FF2B5EF4-FFF2-40B4-BE49-F238E27FC236}">
-                <a16:creationId xmlns:a16="http://schemas.microsoft.com/office/drawing/2014/main" id="{DAD66E98-DBD9-4932-9F82-38CAA3DA084F}"/>
-              </a:ext>
-            </a:extLst>
-          </p:cNvPr>
+            <a:endParaRPr lang="en-US" dirty="0"/>
+          </a:p>
+        </p:txBody>
+      </p:sp>
+      <p:sp>
+        <p:nvSpPr>
+          <p:cNvPr id="5" name="Text Placeholder 4"/>
           <p:cNvSpPr>
             <a:spLocks noGrp="1"/>
           </p:cNvSpPr>
@@ -1686,8 +1479,8 @@
         </p:nvSpPr>
         <p:spPr>
           <a:xfrm>
-            <a:off x="6172200" y="1681163"/>
-            <a:ext cx="5183188" cy="823912"/>
+            <a:off x="7994929" y="2563773"/>
+            <a:ext cx="6713848" cy="1256466"/>
           </a:xfrm>
         </p:spPr>
         <p:txBody>
@@ -1695,39 +1488,39 @@
           <a:lstStyle>
             <a:lvl1pPr marL="0" indent="0">
               <a:buNone/>
-              <a:defRPr sz="2400" b="1"/>
+              <a:defRPr sz="3660" b="1"/>
             </a:lvl1pPr>
-            <a:lvl2pPr marL="457200" indent="0">
-              <a:buNone/>
-              <a:defRPr sz="2000" b="1"/>
+            <a:lvl2pPr marL="697230" indent="0">
+              <a:buNone/>
+              <a:defRPr sz="3050" b="1"/>
             </a:lvl2pPr>
-            <a:lvl3pPr marL="914400" indent="0">
-              <a:buNone/>
-              <a:defRPr sz="1800" b="1"/>
+            <a:lvl3pPr marL="1394460" indent="0">
+              <a:buNone/>
+              <a:defRPr sz="2745" b="1"/>
             </a:lvl3pPr>
-            <a:lvl4pPr marL="1371600" indent="0">
-              <a:buNone/>
-              <a:defRPr sz="1600" b="1"/>
+            <a:lvl4pPr marL="2091690" indent="0">
+              <a:buNone/>
+              <a:defRPr sz="2440" b="1"/>
             </a:lvl4pPr>
-            <a:lvl5pPr marL="1828800" indent="0">
-              <a:buNone/>
-              <a:defRPr sz="1600" b="1"/>
+            <a:lvl5pPr marL="2788920" indent="0">
+              <a:buNone/>
+              <a:defRPr sz="2440" b="1"/>
             </a:lvl5pPr>
-            <a:lvl6pPr marL="2286000" indent="0">
-              <a:buNone/>
-              <a:defRPr sz="1600" b="1"/>
+            <a:lvl6pPr marL="3486150" indent="0">
+              <a:buNone/>
+              <a:defRPr sz="2440" b="1"/>
             </a:lvl6pPr>
-            <a:lvl7pPr marL="2743200" indent="0">
-              <a:buNone/>
-              <a:defRPr sz="1600" b="1"/>
+            <a:lvl7pPr marL="4183380" indent="0">
+              <a:buNone/>
+              <a:defRPr sz="2440" b="1"/>
             </a:lvl7pPr>
-            <a:lvl8pPr marL="3200400" indent="0">
-              <a:buNone/>
-              <a:defRPr sz="1600" b="1"/>
+            <a:lvl8pPr marL="4880610" indent="0">
+              <a:buNone/>
+              <a:defRPr sz="2440" b="1"/>
             </a:lvl8pPr>
-            <a:lvl9pPr marL="3657600" indent="0">
-              <a:buNone/>
-              <a:defRPr sz="1600" b="1"/>
+            <a:lvl9pPr marL="5577840" indent="0">
+              <a:buNone/>
+              <a:defRPr sz="2440" b="1"/>
             </a:lvl9pPr>
           </a:lstStyle>
           <a:p>
@@ -1741,13 +1534,7 @@
       </p:sp>
       <p:sp>
         <p:nvSpPr>
-          <p:cNvPr id="6" name="Marcador de contenido 5">
-            <a:extLst>
-              <a:ext uri="{FF2B5EF4-FFF2-40B4-BE49-F238E27FC236}">
-                <a16:creationId xmlns:a16="http://schemas.microsoft.com/office/drawing/2014/main" id="{45C0310B-9608-457B-8800-1DC88B025893}"/>
-              </a:ext>
-            </a:extLst>
-          </p:cNvPr>
+          <p:cNvPr id="6" name="Content Placeholder 5"/>
           <p:cNvSpPr>
             <a:spLocks noGrp="1"/>
           </p:cNvSpPr>
@@ -1757,8 +1544,8 @@
         </p:nvSpPr>
         <p:spPr>
           <a:xfrm>
-            <a:off x="6172200" y="2505075"/>
-            <a:ext cx="5183188" cy="3684588"/>
+            <a:off x="7994929" y="3820239"/>
+            <a:ext cx="6713848" cy="5618997"/>
           </a:xfrm>
         </p:spPr>
         <p:txBody>
@@ -1798,19 +1585,13 @@
               <a:rPr lang="es-ES"/>
               <a:t>Quinto nivel</a:t>
             </a:r>
-            <a:endParaRPr lang="es-MX"/>
-          </a:p>
-        </p:txBody>
-      </p:sp>
-      <p:sp>
-        <p:nvSpPr>
-          <p:cNvPr id="7" name="Marcador de fecha 6">
-            <a:extLst>
-              <a:ext uri="{FF2B5EF4-FFF2-40B4-BE49-F238E27FC236}">
-                <a16:creationId xmlns:a16="http://schemas.microsoft.com/office/drawing/2014/main" id="{8945ABBB-190C-4D32-B9B3-D32FE132A6E1}"/>
-              </a:ext>
-            </a:extLst>
-          </p:cNvPr>
+            <a:endParaRPr lang="en-US" dirty="0"/>
+          </a:p>
+        </p:txBody>
+      </p:sp>
+      <p:sp>
+        <p:nvSpPr>
+          <p:cNvPr id="7" name="Date Placeholder 6"/>
           <p:cNvSpPr>
             <a:spLocks noGrp="1"/>
           </p:cNvSpPr>
@@ -1825,7 +1606,7 @@
           <a:p>
             <a:fld id="{6A87B696-1102-4874-86CF-7F32C533EC34}" type="datetimeFigureOut">
               <a:rPr lang="es-MX" smtClean="0"/>
-              <a:t>28/03/2021</a:t>
+              <a:t>05/04/2021</a:t>
             </a:fld>
             <a:endParaRPr lang="es-MX"/>
           </a:p>
@@ -1833,13 +1614,7 @@
       </p:sp>
       <p:sp>
         <p:nvSpPr>
-          <p:cNvPr id="8" name="Marcador de pie de página 7">
-            <a:extLst>
-              <a:ext uri="{FF2B5EF4-FFF2-40B4-BE49-F238E27FC236}">
-                <a16:creationId xmlns:a16="http://schemas.microsoft.com/office/drawing/2014/main" id="{395173E1-C851-4DAF-8B9D-1D661F97C3B8}"/>
-              </a:ext>
-            </a:extLst>
-          </p:cNvPr>
+          <p:cNvPr id="8" name="Footer Placeholder 7"/>
           <p:cNvSpPr>
             <a:spLocks noGrp="1"/>
           </p:cNvSpPr>
@@ -1858,13 +1633,7 @@
       </p:sp>
       <p:sp>
         <p:nvSpPr>
-          <p:cNvPr id="9" name="Marcador de número de diapositiva 8">
-            <a:extLst>
-              <a:ext uri="{FF2B5EF4-FFF2-40B4-BE49-F238E27FC236}">
-                <a16:creationId xmlns:a16="http://schemas.microsoft.com/office/drawing/2014/main" id="{6005DD2B-1C6A-42DE-888B-115553C4DDFB}"/>
-              </a:ext>
-            </a:extLst>
-          </p:cNvPr>
+          <p:cNvPr id="9" name="Slide Number Placeholder 8"/>
           <p:cNvSpPr>
             <a:spLocks noGrp="1"/>
           </p:cNvSpPr>
@@ -1888,7 +1657,7 @@
     </p:spTree>
     <p:extLst>
       <p:ext uri="{BB962C8B-B14F-4D97-AF65-F5344CB8AC3E}">
-        <p14:creationId xmlns:p14="http://schemas.microsoft.com/office/powerpoint/2010/main" val="1075167605"/>
+        <p14:creationId xmlns:p14="http://schemas.microsoft.com/office/powerpoint/2010/main" val="2001258222"/>
       </p:ext>
     </p:extLst>
   </p:cSld>
@@ -1917,13 +1686,7 @@
       </p:grpSpPr>
       <p:sp>
         <p:nvSpPr>
-          <p:cNvPr id="2" name="Título 1">
-            <a:extLst>
-              <a:ext uri="{FF2B5EF4-FFF2-40B4-BE49-F238E27FC236}">
-                <a16:creationId xmlns:a16="http://schemas.microsoft.com/office/drawing/2014/main" id="{5C3E5FAB-7577-473D-B6D1-C10AD15E781E}"/>
-              </a:ext>
-            </a:extLst>
-          </p:cNvPr>
+          <p:cNvPr id="2" name="Title 1"/>
           <p:cNvSpPr>
             <a:spLocks noGrp="1"/>
           </p:cNvSpPr>
@@ -1940,19 +1703,13 @@
               <a:rPr lang="es-ES"/>
               <a:t>Haga clic para modificar el estilo de título del patrón</a:t>
             </a:r>
-            <a:endParaRPr lang="es-MX"/>
-          </a:p>
-        </p:txBody>
-      </p:sp>
-      <p:sp>
-        <p:nvSpPr>
-          <p:cNvPr id="3" name="Marcador de fecha 2">
-            <a:extLst>
-              <a:ext uri="{FF2B5EF4-FFF2-40B4-BE49-F238E27FC236}">
-                <a16:creationId xmlns:a16="http://schemas.microsoft.com/office/drawing/2014/main" id="{87679220-20E4-4110-8440-C70EB82A1CD0}"/>
-              </a:ext>
-            </a:extLst>
-          </p:cNvPr>
+            <a:endParaRPr lang="en-US" dirty="0"/>
+          </a:p>
+        </p:txBody>
+      </p:sp>
+      <p:sp>
+        <p:nvSpPr>
+          <p:cNvPr id="3" name="Date Placeholder 2"/>
           <p:cNvSpPr>
             <a:spLocks noGrp="1"/>
           </p:cNvSpPr>
@@ -1967,7 +1724,7 @@
           <a:p>
             <a:fld id="{6A87B696-1102-4874-86CF-7F32C533EC34}" type="datetimeFigureOut">
               <a:rPr lang="es-MX" smtClean="0"/>
-              <a:t>28/03/2021</a:t>
+              <a:t>05/04/2021</a:t>
             </a:fld>
             <a:endParaRPr lang="es-MX"/>
           </a:p>
@@ -1975,13 +1732,7 @@
       </p:sp>
       <p:sp>
         <p:nvSpPr>
-          <p:cNvPr id="4" name="Marcador de pie de página 3">
-            <a:extLst>
-              <a:ext uri="{FF2B5EF4-FFF2-40B4-BE49-F238E27FC236}">
-                <a16:creationId xmlns:a16="http://schemas.microsoft.com/office/drawing/2014/main" id="{9605139F-6F52-45DA-AD12-590D04F1B4D1}"/>
-              </a:ext>
-            </a:extLst>
-          </p:cNvPr>
+          <p:cNvPr id="4" name="Footer Placeholder 3"/>
           <p:cNvSpPr>
             <a:spLocks noGrp="1"/>
           </p:cNvSpPr>
@@ -2000,13 +1751,7 @@
       </p:sp>
       <p:sp>
         <p:nvSpPr>
-          <p:cNvPr id="5" name="Marcador de número de diapositiva 4">
-            <a:extLst>
-              <a:ext uri="{FF2B5EF4-FFF2-40B4-BE49-F238E27FC236}">
-                <a16:creationId xmlns:a16="http://schemas.microsoft.com/office/drawing/2014/main" id="{F1E435D5-A834-4421-A652-4B76A19D0F50}"/>
-              </a:ext>
-            </a:extLst>
-          </p:cNvPr>
+          <p:cNvPr id="5" name="Slide Number Placeholder 4"/>
           <p:cNvSpPr>
             <a:spLocks noGrp="1"/>
           </p:cNvSpPr>
@@ -2030,7 +1775,7 @@
     </p:spTree>
     <p:extLst>
       <p:ext uri="{BB962C8B-B14F-4D97-AF65-F5344CB8AC3E}">
-        <p14:creationId xmlns:p14="http://schemas.microsoft.com/office/powerpoint/2010/main" val="1497468990"/>
+        <p14:creationId xmlns:p14="http://schemas.microsoft.com/office/powerpoint/2010/main" val="4270145325"/>
       </p:ext>
     </p:extLst>
   </p:cSld>
@@ -2059,13 +1804,7 @@
       </p:grpSpPr>
       <p:sp>
         <p:nvSpPr>
-          <p:cNvPr id="2" name="Marcador de fecha 1">
-            <a:extLst>
-              <a:ext uri="{FF2B5EF4-FFF2-40B4-BE49-F238E27FC236}">
-                <a16:creationId xmlns:a16="http://schemas.microsoft.com/office/drawing/2014/main" id="{A879DEA0-2841-4AF8-9C58-DB5CD72E52A5}"/>
-              </a:ext>
-            </a:extLst>
-          </p:cNvPr>
+          <p:cNvPr id="2" name="Date Placeholder 1"/>
           <p:cNvSpPr>
             <a:spLocks noGrp="1"/>
           </p:cNvSpPr>
@@ -2080,7 +1819,7 @@
           <a:p>
             <a:fld id="{6A87B696-1102-4874-86CF-7F32C533EC34}" type="datetimeFigureOut">
               <a:rPr lang="es-MX" smtClean="0"/>
-              <a:t>28/03/2021</a:t>
+              <a:t>05/04/2021</a:t>
             </a:fld>
             <a:endParaRPr lang="es-MX"/>
           </a:p>
@@ -2088,13 +1827,7 @@
       </p:sp>
       <p:sp>
         <p:nvSpPr>
-          <p:cNvPr id="3" name="Marcador de pie de página 2">
-            <a:extLst>
-              <a:ext uri="{FF2B5EF4-FFF2-40B4-BE49-F238E27FC236}">
-                <a16:creationId xmlns:a16="http://schemas.microsoft.com/office/drawing/2014/main" id="{B8F25FCD-7329-4335-8FCB-C8E0193DF388}"/>
-              </a:ext>
-            </a:extLst>
-          </p:cNvPr>
+          <p:cNvPr id="3" name="Footer Placeholder 2"/>
           <p:cNvSpPr>
             <a:spLocks noGrp="1"/>
           </p:cNvSpPr>
@@ -2113,13 +1846,7 @@
       </p:sp>
       <p:sp>
         <p:nvSpPr>
-          <p:cNvPr id="4" name="Marcador de número de diapositiva 3">
-            <a:extLst>
-              <a:ext uri="{FF2B5EF4-FFF2-40B4-BE49-F238E27FC236}">
-                <a16:creationId xmlns:a16="http://schemas.microsoft.com/office/drawing/2014/main" id="{6B7DAA38-0C63-49BD-8136-D93BDF1115F1}"/>
-              </a:ext>
-            </a:extLst>
-          </p:cNvPr>
+          <p:cNvPr id="4" name="Slide Number Placeholder 3"/>
           <p:cNvSpPr>
             <a:spLocks noGrp="1"/>
           </p:cNvSpPr>
@@ -2143,7 +1870,7 @@
     </p:spTree>
     <p:extLst>
       <p:ext uri="{BB962C8B-B14F-4D97-AF65-F5344CB8AC3E}">
-        <p14:creationId xmlns:p14="http://schemas.microsoft.com/office/powerpoint/2010/main" val="3930737231"/>
+        <p14:creationId xmlns:p14="http://schemas.microsoft.com/office/powerpoint/2010/main" val="1370039389"/>
       </p:ext>
     </p:extLst>
   </p:cSld>
@@ -2172,13 +1899,7 @@
       </p:grpSpPr>
       <p:sp>
         <p:nvSpPr>
-          <p:cNvPr id="2" name="Título 1">
-            <a:extLst>
-              <a:ext uri="{FF2B5EF4-FFF2-40B4-BE49-F238E27FC236}">
-                <a16:creationId xmlns:a16="http://schemas.microsoft.com/office/drawing/2014/main" id="{385A0DF0-2125-4BF1-8903-8ABC718A9CB6}"/>
-              </a:ext>
-            </a:extLst>
-          </p:cNvPr>
+          <p:cNvPr id="2" name="Title 1"/>
           <p:cNvSpPr>
             <a:spLocks noGrp="1"/>
           </p:cNvSpPr>
@@ -2188,15 +1909,15 @@
         </p:nvSpPr>
         <p:spPr>
           <a:xfrm>
-            <a:off x="839788" y="457200"/>
-            <a:ext cx="3932237" cy="1600200"/>
+            <a:off x="1087788" y="697230"/>
+            <a:ext cx="5093476" cy="2440305"/>
           </a:xfrm>
         </p:spPr>
         <p:txBody>
           <a:bodyPr anchor="b"/>
           <a:lstStyle>
             <a:lvl1pPr>
-              <a:defRPr sz="3200"/>
+              <a:defRPr sz="4880"/>
             </a:lvl1pPr>
           </a:lstStyle>
           <a:p>
@@ -2204,19 +1925,13 @@
               <a:rPr lang="es-ES"/>
               <a:t>Haga clic para modificar el estilo de título del patrón</a:t>
             </a:r>
-            <a:endParaRPr lang="es-MX"/>
-          </a:p>
-        </p:txBody>
-      </p:sp>
-      <p:sp>
-        <p:nvSpPr>
-          <p:cNvPr id="3" name="Marcador de contenido 2">
-            <a:extLst>
-              <a:ext uri="{FF2B5EF4-FFF2-40B4-BE49-F238E27FC236}">
-                <a16:creationId xmlns:a16="http://schemas.microsoft.com/office/drawing/2014/main" id="{FC68E70E-EF38-4C00-BF55-153A83B7C770}"/>
-              </a:ext>
-            </a:extLst>
-          </p:cNvPr>
+            <a:endParaRPr lang="en-US" dirty="0"/>
+          </a:p>
+        </p:txBody>
+      </p:sp>
+      <p:sp>
+        <p:nvSpPr>
+          <p:cNvPr id="3" name="Content Placeholder 2"/>
           <p:cNvSpPr>
             <a:spLocks noGrp="1"/>
           </p:cNvSpPr>
@@ -2226,39 +1941,39 @@
         </p:nvSpPr>
         <p:spPr>
           <a:xfrm>
-            <a:off x="5183188" y="987425"/>
-            <a:ext cx="6172200" cy="4873625"/>
+            <a:off x="6713848" y="1505825"/>
+            <a:ext cx="7994928" cy="7432278"/>
           </a:xfrm>
         </p:spPr>
         <p:txBody>
           <a:bodyPr/>
           <a:lstStyle>
             <a:lvl1pPr>
-              <a:defRPr sz="3200"/>
+              <a:defRPr sz="4880"/>
             </a:lvl1pPr>
             <a:lvl2pPr>
-              <a:defRPr sz="2800"/>
+              <a:defRPr sz="4270"/>
             </a:lvl2pPr>
             <a:lvl3pPr>
-              <a:defRPr sz="2400"/>
+              <a:defRPr sz="3660"/>
             </a:lvl3pPr>
             <a:lvl4pPr>
-              <a:defRPr sz="2000"/>
+              <a:defRPr sz="3050"/>
             </a:lvl4pPr>
             <a:lvl5pPr>
-              <a:defRPr sz="2000"/>
+              <a:defRPr sz="3050"/>
             </a:lvl5pPr>
             <a:lvl6pPr>
-              <a:defRPr sz="2000"/>
+              <a:defRPr sz="3050"/>
             </a:lvl6pPr>
             <a:lvl7pPr>
-              <a:defRPr sz="2000"/>
+              <a:defRPr sz="3050"/>
             </a:lvl7pPr>
             <a:lvl8pPr>
-              <a:defRPr sz="2000"/>
+              <a:defRPr sz="3050"/>
             </a:lvl8pPr>
             <a:lvl9pPr>
-              <a:defRPr sz="2000"/>
+              <a:defRPr sz="3050"/>
             </a:lvl9pPr>
           </a:lstStyle>
           <a:p>
@@ -2295,19 +2010,13 @@
               <a:rPr lang="es-ES"/>
               <a:t>Quinto nivel</a:t>
             </a:r>
-            <a:endParaRPr lang="es-MX"/>
-          </a:p>
-        </p:txBody>
-      </p:sp>
-      <p:sp>
-        <p:nvSpPr>
-          <p:cNvPr id="4" name="Marcador de texto 3">
-            <a:extLst>
-              <a:ext uri="{FF2B5EF4-FFF2-40B4-BE49-F238E27FC236}">
-                <a16:creationId xmlns:a16="http://schemas.microsoft.com/office/drawing/2014/main" id="{DCDEEA1A-CA2B-412F-AB90-2EF62AF34BCC}"/>
-              </a:ext>
-            </a:extLst>
-          </p:cNvPr>
+            <a:endParaRPr lang="en-US" dirty="0"/>
+          </a:p>
+        </p:txBody>
+      </p:sp>
+      <p:sp>
+        <p:nvSpPr>
+          <p:cNvPr id="4" name="Text Placeholder 3"/>
           <p:cNvSpPr>
             <a:spLocks noGrp="1"/>
           </p:cNvSpPr>
@@ -2317,8 +2026,8 @@
         </p:nvSpPr>
         <p:spPr>
           <a:xfrm>
-            <a:off x="839788" y="2057400"/>
-            <a:ext cx="3932237" cy="3811588"/>
+            <a:off x="1087788" y="3137535"/>
+            <a:ext cx="5093476" cy="5812672"/>
           </a:xfrm>
         </p:spPr>
         <p:txBody>
@@ -2326,39 +2035,39 @@
           <a:lstStyle>
             <a:lvl1pPr marL="0" indent="0">
               <a:buNone/>
-              <a:defRPr sz="1600"/>
+              <a:defRPr sz="2440"/>
             </a:lvl1pPr>
-            <a:lvl2pPr marL="457200" indent="0">
-              <a:buNone/>
-              <a:defRPr sz="1400"/>
+            <a:lvl2pPr marL="697230" indent="0">
+              <a:buNone/>
+              <a:defRPr sz="2135"/>
             </a:lvl2pPr>
-            <a:lvl3pPr marL="914400" indent="0">
-              <a:buNone/>
-              <a:defRPr sz="1200"/>
+            <a:lvl3pPr marL="1394460" indent="0">
+              <a:buNone/>
+              <a:defRPr sz="1830"/>
             </a:lvl3pPr>
-            <a:lvl4pPr marL="1371600" indent="0">
-              <a:buNone/>
-              <a:defRPr sz="1000"/>
+            <a:lvl4pPr marL="2091690" indent="0">
+              <a:buNone/>
+              <a:defRPr sz="1525"/>
             </a:lvl4pPr>
-            <a:lvl5pPr marL="1828800" indent="0">
-              <a:buNone/>
-              <a:defRPr sz="1000"/>
+            <a:lvl5pPr marL="2788920" indent="0">
+              <a:buNone/>
+              <a:defRPr sz="1525"/>
             </a:lvl5pPr>
-            <a:lvl6pPr marL="2286000" indent="0">
-              <a:buNone/>
-              <a:defRPr sz="1000"/>
+            <a:lvl6pPr marL="3486150" indent="0">
+              <a:buNone/>
+              <a:defRPr sz="1525"/>
             </a:lvl6pPr>
-            <a:lvl7pPr marL="2743200" indent="0">
-              <a:buNone/>
-              <a:defRPr sz="1000"/>
+            <a:lvl7pPr marL="4183380" indent="0">
+              <a:buNone/>
+              <a:defRPr sz="1525"/>
             </a:lvl7pPr>
-            <a:lvl8pPr marL="3200400" indent="0">
-              <a:buNone/>
-              <a:defRPr sz="1000"/>
+            <a:lvl8pPr marL="4880610" indent="0">
+              <a:buNone/>
+              <a:defRPr sz="1525"/>
             </a:lvl8pPr>
-            <a:lvl9pPr marL="3657600" indent="0">
-              <a:buNone/>
-              <a:defRPr sz="1000"/>
+            <a:lvl9pPr marL="5577840" indent="0">
+              <a:buNone/>
+              <a:defRPr sz="1525"/>
             </a:lvl9pPr>
           </a:lstStyle>
           <a:p>
@@ -2372,13 +2081,7 @@
       </p:sp>
       <p:sp>
         <p:nvSpPr>
-          <p:cNvPr id="5" name="Marcador de fecha 4">
-            <a:extLst>
-              <a:ext uri="{FF2B5EF4-FFF2-40B4-BE49-F238E27FC236}">
-                <a16:creationId xmlns:a16="http://schemas.microsoft.com/office/drawing/2014/main" id="{C7D8403B-3C22-4EE9-AFA8-E56A7DEA2F91}"/>
-              </a:ext>
-            </a:extLst>
-          </p:cNvPr>
+          <p:cNvPr id="5" name="Date Placeholder 4"/>
           <p:cNvSpPr>
             <a:spLocks noGrp="1"/>
           </p:cNvSpPr>
@@ -2393,7 +2096,7 @@
           <a:p>
             <a:fld id="{6A87B696-1102-4874-86CF-7F32C533EC34}" type="datetimeFigureOut">
               <a:rPr lang="es-MX" smtClean="0"/>
-              <a:t>28/03/2021</a:t>
+              <a:t>05/04/2021</a:t>
             </a:fld>
             <a:endParaRPr lang="es-MX"/>
           </a:p>
@@ -2401,13 +2104,7 @@
       </p:sp>
       <p:sp>
         <p:nvSpPr>
-          <p:cNvPr id="6" name="Marcador de pie de página 5">
-            <a:extLst>
-              <a:ext uri="{FF2B5EF4-FFF2-40B4-BE49-F238E27FC236}">
-                <a16:creationId xmlns:a16="http://schemas.microsoft.com/office/drawing/2014/main" id="{FA1B8C80-9530-4821-A45B-C387B5D11692}"/>
-              </a:ext>
-            </a:extLst>
-          </p:cNvPr>
+          <p:cNvPr id="6" name="Footer Placeholder 5"/>
           <p:cNvSpPr>
             <a:spLocks noGrp="1"/>
           </p:cNvSpPr>
@@ -2426,13 +2123,7 @@
       </p:sp>
       <p:sp>
         <p:nvSpPr>
-          <p:cNvPr id="7" name="Marcador de número de diapositiva 6">
-            <a:extLst>
-              <a:ext uri="{FF2B5EF4-FFF2-40B4-BE49-F238E27FC236}">
-                <a16:creationId xmlns:a16="http://schemas.microsoft.com/office/drawing/2014/main" id="{B64F04B5-05C8-4D94-AD13-D48ED8821DC2}"/>
-              </a:ext>
-            </a:extLst>
-          </p:cNvPr>
+          <p:cNvPr id="7" name="Slide Number Placeholder 6"/>
           <p:cNvSpPr>
             <a:spLocks noGrp="1"/>
           </p:cNvSpPr>
@@ -2456,7 +2147,7 @@
     </p:spTree>
     <p:extLst>
       <p:ext uri="{BB962C8B-B14F-4D97-AF65-F5344CB8AC3E}">
-        <p14:creationId xmlns:p14="http://schemas.microsoft.com/office/powerpoint/2010/main" val="1622727903"/>
+        <p14:creationId xmlns:p14="http://schemas.microsoft.com/office/powerpoint/2010/main" val="1626867699"/>
       </p:ext>
     </p:extLst>
   </p:cSld>
@@ -2485,13 +2176,7 @@
       </p:grpSpPr>
       <p:sp>
         <p:nvSpPr>
-          <p:cNvPr id="2" name="Título 1">
-            <a:extLst>
-              <a:ext uri="{FF2B5EF4-FFF2-40B4-BE49-F238E27FC236}">
-                <a16:creationId xmlns:a16="http://schemas.microsoft.com/office/drawing/2014/main" id="{D32DE1C4-4832-43C3-9262-2D5BBBE35E1D}"/>
-              </a:ext>
-            </a:extLst>
-          </p:cNvPr>
+          <p:cNvPr id="2" name="Title 1"/>
           <p:cNvSpPr>
             <a:spLocks noGrp="1"/>
           </p:cNvSpPr>
@@ -2501,15 +2186,15 @@
         </p:nvSpPr>
         <p:spPr>
           <a:xfrm>
-            <a:off x="839788" y="457200"/>
-            <a:ext cx="3932237" cy="1600200"/>
+            <a:off x="1087788" y="697230"/>
+            <a:ext cx="5093476" cy="2440305"/>
           </a:xfrm>
         </p:spPr>
         <p:txBody>
           <a:bodyPr anchor="b"/>
           <a:lstStyle>
             <a:lvl1pPr>
-              <a:defRPr sz="3200"/>
+              <a:defRPr sz="4880"/>
             </a:lvl1pPr>
           </a:lstStyle>
           <a:p>
@@ -2517,21 +2202,15 @@
               <a:rPr lang="es-ES"/>
               <a:t>Haga clic para modificar el estilo de título del patrón</a:t>
             </a:r>
-            <a:endParaRPr lang="es-MX"/>
-          </a:p>
-        </p:txBody>
-      </p:sp>
-      <p:sp>
-        <p:nvSpPr>
-          <p:cNvPr id="3" name="Marcador de posición de imagen 2">
-            <a:extLst>
-              <a:ext uri="{FF2B5EF4-FFF2-40B4-BE49-F238E27FC236}">
-                <a16:creationId xmlns:a16="http://schemas.microsoft.com/office/drawing/2014/main" id="{D47493B2-87CF-4750-8926-BBA59FB1088E}"/>
-              </a:ext>
-            </a:extLst>
-          </p:cNvPr>
-          <p:cNvSpPr>
-            <a:spLocks noGrp="1"/>
+            <a:endParaRPr lang="en-US" dirty="0"/>
+          </a:p>
+        </p:txBody>
+      </p:sp>
+      <p:sp>
+        <p:nvSpPr>
+          <p:cNvPr id="3" name="Picture Placeholder 2"/>
+          <p:cNvSpPr>
+            <a:spLocks noGrp="1" noChangeAspect="1"/>
           </p:cNvSpPr>
           <p:nvPr>
             <p:ph type="pic" idx="1"/>
@@ -2539,64 +2218,62 @@
         </p:nvSpPr>
         <p:spPr>
           <a:xfrm>
-            <a:off x="5183188" y="987425"/>
-            <a:ext cx="6172200" cy="4873625"/>
-          </a:xfrm>
-        </p:spPr>
-        <p:txBody>
-          <a:bodyPr/>
+            <a:off x="6713848" y="1505825"/>
+            <a:ext cx="7994928" cy="7432278"/>
+          </a:xfrm>
+        </p:spPr>
+        <p:txBody>
+          <a:bodyPr anchor="t"/>
           <a:lstStyle>
             <a:lvl1pPr marL="0" indent="0">
               <a:buNone/>
-              <a:defRPr sz="3200"/>
+              <a:defRPr sz="4880"/>
             </a:lvl1pPr>
-            <a:lvl2pPr marL="457200" indent="0">
-              <a:buNone/>
-              <a:defRPr sz="2800"/>
+            <a:lvl2pPr marL="697230" indent="0">
+              <a:buNone/>
+              <a:defRPr sz="4270"/>
             </a:lvl2pPr>
-            <a:lvl3pPr marL="914400" indent="0">
-              <a:buNone/>
-              <a:defRPr sz="2400"/>
+            <a:lvl3pPr marL="1394460" indent="0">
+              <a:buNone/>
+              <a:defRPr sz="3660"/>
             </a:lvl3pPr>
-            <a:lvl4pPr marL="1371600" indent="0">
-              <a:buNone/>
-              <a:defRPr sz="2000"/>
+            <a:lvl4pPr marL="2091690" indent="0">
+              <a:buNone/>
+              <a:defRPr sz="3050"/>
             </a:lvl4pPr>
-            <a:lvl5pPr marL="1828800" indent="0">
-              <a:buNone/>
-              <a:defRPr sz="2000"/>
+            <a:lvl5pPr marL="2788920" indent="0">
+              <a:buNone/>
+              <a:defRPr sz="3050"/>
             </a:lvl5pPr>
-            <a:lvl6pPr marL="2286000" indent="0">
-              <a:buNone/>
-              <a:defRPr sz="2000"/>
+            <a:lvl6pPr marL="3486150" indent="0">
+              <a:buNone/>
+              <a:defRPr sz="3050"/>
             </a:lvl6pPr>
-            <a:lvl7pPr marL="2743200" indent="0">
-              <a:buNone/>
-              <a:defRPr sz="2000"/>
+            <a:lvl7pPr marL="4183380" indent="0">
+              <a:buNone/>
+              <a:defRPr sz="3050"/>
             </a:lvl7pPr>
-            <a:lvl8pPr marL="3200400" indent="0">
-              <a:buNone/>
-              <a:defRPr sz="2000"/>
+            <a:lvl8pPr marL="4880610" indent="0">
+              <a:buNone/>
+              <a:defRPr sz="3050"/>
             </a:lvl8pPr>
-            <a:lvl9pPr marL="3657600" indent="0">
-              <a:buNone/>
-              <a:defRPr sz="2000"/>
+            <a:lvl9pPr marL="5577840" indent="0">
+              <a:buNone/>
+              <a:defRPr sz="3050"/>
             </a:lvl9pPr>
           </a:lstStyle>
           <a:p>
-            <a:endParaRPr lang="es-MX"/>
-          </a:p>
-        </p:txBody>
-      </p:sp>
-      <p:sp>
-        <p:nvSpPr>
-          <p:cNvPr id="4" name="Marcador de texto 3">
-            <a:extLst>
-              <a:ext uri="{FF2B5EF4-FFF2-40B4-BE49-F238E27FC236}">
-                <a16:creationId xmlns:a16="http://schemas.microsoft.com/office/drawing/2014/main" id="{0CC228A7-1A8A-4598-9BA9-D9D990D9044F}"/>
-              </a:ext>
-            </a:extLst>
-          </p:cNvPr>
+            <a:r>
+              <a:rPr lang="es-ES"/>
+              <a:t>Haga clic en el icono para agregar una imagen</a:t>
+            </a:r>
+            <a:endParaRPr lang="en-US" dirty="0"/>
+          </a:p>
+        </p:txBody>
+      </p:sp>
+      <p:sp>
+        <p:nvSpPr>
+          <p:cNvPr id="4" name="Text Placeholder 3"/>
           <p:cNvSpPr>
             <a:spLocks noGrp="1"/>
           </p:cNvSpPr>
@@ -2606,8 +2283,8 @@
         </p:nvSpPr>
         <p:spPr>
           <a:xfrm>
-            <a:off x="839788" y="2057400"/>
-            <a:ext cx="3932237" cy="3811588"/>
+            <a:off x="1087788" y="3137535"/>
+            <a:ext cx="5093476" cy="5812672"/>
           </a:xfrm>
         </p:spPr>
         <p:txBody>
@@ -2615,39 +2292,39 @@
           <a:lstStyle>
             <a:lvl1pPr marL="0" indent="0">
               <a:buNone/>
-              <a:defRPr sz="1600"/>
+              <a:defRPr sz="2440"/>
             </a:lvl1pPr>
-            <a:lvl2pPr marL="457200" indent="0">
-              <a:buNone/>
-              <a:defRPr sz="1400"/>
+            <a:lvl2pPr marL="697230" indent="0">
+              <a:buNone/>
+              <a:defRPr sz="2135"/>
             </a:lvl2pPr>
-            <a:lvl3pPr marL="914400" indent="0">
-              <a:buNone/>
-              <a:defRPr sz="1200"/>
+            <a:lvl3pPr marL="1394460" indent="0">
+              <a:buNone/>
+              <a:defRPr sz="1830"/>
             </a:lvl3pPr>
-            <a:lvl4pPr marL="1371600" indent="0">
-              <a:buNone/>
-              <a:defRPr sz="1000"/>
+            <a:lvl4pPr marL="2091690" indent="0">
+              <a:buNone/>
+              <a:defRPr sz="1525"/>
             </a:lvl4pPr>
-            <a:lvl5pPr marL="1828800" indent="0">
-              <a:buNone/>
-              <a:defRPr sz="1000"/>
+            <a:lvl5pPr marL="2788920" indent="0">
+              <a:buNone/>
+              <a:defRPr sz="1525"/>
             </a:lvl5pPr>
-            <a:lvl6pPr marL="2286000" indent="0">
-              <a:buNone/>
-              <a:defRPr sz="1000"/>
+            <a:lvl6pPr marL="3486150" indent="0">
+              <a:buNone/>
+              <a:defRPr sz="1525"/>
             </a:lvl6pPr>
-            <a:lvl7pPr marL="2743200" indent="0">
-              <a:buNone/>
-              <a:defRPr sz="1000"/>
+            <a:lvl7pPr marL="4183380" indent="0">
+              <a:buNone/>
+              <a:defRPr sz="1525"/>
             </a:lvl7pPr>
-            <a:lvl8pPr marL="3200400" indent="0">
-              <a:buNone/>
-              <a:defRPr sz="1000"/>
+            <a:lvl8pPr marL="4880610" indent="0">
+              <a:buNone/>
+              <a:defRPr sz="1525"/>
             </a:lvl8pPr>
-            <a:lvl9pPr marL="3657600" indent="0">
-              <a:buNone/>
-              <a:defRPr sz="1000"/>
+            <a:lvl9pPr marL="5577840" indent="0">
+              <a:buNone/>
+              <a:defRPr sz="1525"/>
             </a:lvl9pPr>
           </a:lstStyle>
           <a:p>
@@ -2661,13 +2338,7 @@
       </p:sp>
       <p:sp>
         <p:nvSpPr>
-          <p:cNvPr id="5" name="Marcador de fecha 4">
-            <a:extLst>
-              <a:ext uri="{FF2B5EF4-FFF2-40B4-BE49-F238E27FC236}">
-                <a16:creationId xmlns:a16="http://schemas.microsoft.com/office/drawing/2014/main" id="{6EE5C5AE-95BE-4712-91D7-7658FAF88440}"/>
-              </a:ext>
-            </a:extLst>
-          </p:cNvPr>
+          <p:cNvPr id="5" name="Date Placeholder 4"/>
           <p:cNvSpPr>
             <a:spLocks noGrp="1"/>
           </p:cNvSpPr>
@@ -2682,7 +2353,7 @@
           <a:p>
             <a:fld id="{6A87B696-1102-4874-86CF-7F32C533EC34}" type="datetimeFigureOut">
               <a:rPr lang="es-MX" smtClean="0"/>
-              <a:t>28/03/2021</a:t>
+              <a:t>05/04/2021</a:t>
             </a:fld>
             <a:endParaRPr lang="es-MX"/>
           </a:p>
@@ -2690,13 +2361,7 @@
       </p:sp>
       <p:sp>
         <p:nvSpPr>
-          <p:cNvPr id="6" name="Marcador de pie de página 5">
-            <a:extLst>
-              <a:ext uri="{FF2B5EF4-FFF2-40B4-BE49-F238E27FC236}">
-                <a16:creationId xmlns:a16="http://schemas.microsoft.com/office/drawing/2014/main" id="{84D53C08-2C67-4123-AAA6-7BF6270DC4F9}"/>
-              </a:ext>
-            </a:extLst>
-          </p:cNvPr>
+          <p:cNvPr id="6" name="Footer Placeholder 5"/>
           <p:cNvSpPr>
             <a:spLocks noGrp="1"/>
           </p:cNvSpPr>
@@ -2715,13 +2380,7 @@
       </p:sp>
       <p:sp>
         <p:nvSpPr>
-          <p:cNvPr id="7" name="Marcador de número de diapositiva 6">
-            <a:extLst>
-              <a:ext uri="{FF2B5EF4-FFF2-40B4-BE49-F238E27FC236}">
-                <a16:creationId xmlns:a16="http://schemas.microsoft.com/office/drawing/2014/main" id="{76DAA523-1224-4CE7-BC55-A6D9C091E49C}"/>
-              </a:ext>
-            </a:extLst>
-          </p:cNvPr>
+          <p:cNvPr id="7" name="Slide Number Placeholder 6"/>
           <p:cNvSpPr>
             <a:spLocks noGrp="1"/>
           </p:cNvSpPr>
@@ -2745,7 +2404,7 @@
     </p:spTree>
     <p:extLst>
       <p:ext uri="{BB962C8B-B14F-4D97-AF65-F5344CB8AC3E}">
-        <p14:creationId xmlns:p14="http://schemas.microsoft.com/office/powerpoint/2010/main" val="1467559460"/>
+        <p14:creationId xmlns:p14="http://schemas.microsoft.com/office/powerpoint/2010/main" val="2174883645"/>
       </p:ext>
     </p:extLst>
   </p:cSld>
@@ -2779,13 +2438,7 @@
       </p:grpSpPr>
       <p:sp>
         <p:nvSpPr>
-          <p:cNvPr id="2" name="Marcador de título 1">
-            <a:extLst>
-              <a:ext uri="{FF2B5EF4-FFF2-40B4-BE49-F238E27FC236}">
-                <a16:creationId xmlns:a16="http://schemas.microsoft.com/office/drawing/2014/main" id="{0354C6FA-02C6-48DB-8626-2E3936D2396C}"/>
-              </a:ext>
-            </a:extLst>
-          </p:cNvPr>
+          <p:cNvPr id="2" name="Title Placeholder 1"/>
           <p:cNvSpPr>
             <a:spLocks noGrp="1"/>
           </p:cNvSpPr>
@@ -2795,8 +2448,8 @@
         </p:nvSpPr>
         <p:spPr>
           <a:xfrm>
-            <a:off x="838200" y="365125"/>
-            <a:ext cx="10515600" cy="1325563"/>
+            <a:off x="1085731" y="556818"/>
+            <a:ext cx="13620988" cy="2021484"/>
           </a:xfrm>
           <a:prstGeom prst="rect">
             <a:avLst/>
@@ -2812,19 +2465,13 @@
               <a:rPr lang="es-ES"/>
               <a:t>Haga clic para modificar el estilo de título del patrón</a:t>
             </a:r>
-            <a:endParaRPr lang="es-MX"/>
-          </a:p>
-        </p:txBody>
-      </p:sp>
-      <p:sp>
-        <p:nvSpPr>
-          <p:cNvPr id="3" name="Marcador de texto 2">
-            <a:extLst>
-              <a:ext uri="{FF2B5EF4-FFF2-40B4-BE49-F238E27FC236}">
-                <a16:creationId xmlns:a16="http://schemas.microsoft.com/office/drawing/2014/main" id="{0014B108-8B6F-48D6-8944-09220A04200A}"/>
-              </a:ext>
-            </a:extLst>
-          </p:cNvPr>
+            <a:endParaRPr lang="en-US" dirty="0"/>
+          </a:p>
+        </p:txBody>
+      </p:sp>
+      <p:sp>
+        <p:nvSpPr>
+          <p:cNvPr id="3" name="Text Placeholder 2"/>
           <p:cNvSpPr>
             <a:spLocks noGrp="1"/>
           </p:cNvSpPr>
@@ -2834,8 +2481,8 @@
         </p:nvSpPr>
         <p:spPr>
           <a:xfrm>
-            <a:off x="838200" y="1825625"/>
-            <a:ext cx="10515600" cy="4351338"/>
+            <a:off x="1085731" y="2784078"/>
+            <a:ext cx="13620988" cy="6635790"/>
           </a:xfrm>
           <a:prstGeom prst="rect">
             <a:avLst/>
@@ -2880,19 +2527,13 @@
               <a:rPr lang="es-ES"/>
               <a:t>Quinto nivel</a:t>
             </a:r>
-            <a:endParaRPr lang="es-MX"/>
-          </a:p>
-        </p:txBody>
-      </p:sp>
-      <p:sp>
-        <p:nvSpPr>
-          <p:cNvPr id="4" name="Marcador de fecha 3">
-            <a:extLst>
-              <a:ext uri="{FF2B5EF4-FFF2-40B4-BE49-F238E27FC236}">
-                <a16:creationId xmlns:a16="http://schemas.microsoft.com/office/drawing/2014/main" id="{B8EE1FF6-6096-411B-ADAA-124C97C57BFC}"/>
-              </a:ext>
-            </a:extLst>
-          </p:cNvPr>
+            <a:endParaRPr lang="en-US" dirty="0"/>
+          </a:p>
+        </p:txBody>
+      </p:sp>
+      <p:sp>
+        <p:nvSpPr>
+          <p:cNvPr id="4" name="Date Placeholder 3"/>
           <p:cNvSpPr>
             <a:spLocks noGrp="1"/>
           </p:cNvSpPr>
@@ -2902,8 +2543,8 @@
         </p:nvSpPr>
         <p:spPr>
           <a:xfrm>
-            <a:off x="838200" y="6356350"/>
-            <a:ext cx="2743200" cy="365125"/>
+            <a:off x="1085731" y="9693436"/>
+            <a:ext cx="3553301" cy="556816"/>
           </a:xfrm>
           <a:prstGeom prst="rect">
             <a:avLst/>
@@ -2913,7 +2554,7 @@
           <a:bodyPr vert="horz" lIns="91440" tIns="45720" rIns="91440" bIns="45720" rtlCol="0" anchor="ctr"/>
           <a:lstStyle>
             <a:lvl1pPr algn="l">
-              <a:defRPr sz="1200">
+              <a:defRPr sz="1830">
                 <a:solidFill>
                   <a:schemeClr val="tx1">
                     <a:tint val="75000"/>
@@ -2925,7 +2566,7 @@
           <a:p>
             <a:fld id="{6A87B696-1102-4874-86CF-7F32C533EC34}" type="datetimeFigureOut">
               <a:rPr lang="es-MX" smtClean="0"/>
-              <a:t>28/03/2021</a:t>
+              <a:t>05/04/2021</a:t>
             </a:fld>
             <a:endParaRPr lang="es-MX"/>
           </a:p>
@@ -2933,13 +2574,7 @@
       </p:sp>
       <p:sp>
         <p:nvSpPr>
-          <p:cNvPr id="5" name="Marcador de pie de página 4">
-            <a:extLst>
-              <a:ext uri="{FF2B5EF4-FFF2-40B4-BE49-F238E27FC236}">
-                <a16:creationId xmlns:a16="http://schemas.microsoft.com/office/drawing/2014/main" id="{54F96639-F18E-4F65-8FB5-232F2F416A2C}"/>
-              </a:ext>
-            </a:extLst>
-          </p:cNvPr>
+          <p:cNvPr id="5" name="Footer Placeholder 4"/>
           <p:cNvSpPr>
             <a:spLocks noGrp="1"/>
           </p:cNvSpPr>
@@ -2949,8 +2584,8 @@
         </p:nvSpPr>
         <p:spPr>
           <a:xfrm>
-            <a:off x="4038600" y="6356350"/>
-            <a:ext cx="4114800" cy="365125"/>
+            <a:off x="5231249" y="9693436"/>
+            <a:ext cx="5329952" cy="556816"/>
           </a:xfrm>
           <a:prstGeom prst="rect">
             <a:avLst/>
@@ -2960,7 +2595,7 @@
           <a:bodyPr vert="horz" lIns="91440" tIns="45720" rIns="91440" bIns="45720" rtlCol="0" anchor="ctr"/>
           <a:lstStyle>
             <a:lvl1pPr algn="ctr">
-              <a:defRPr sz="1200">
+              <a:defRPr sz="1830">
                 <a:solidFill>
                   <a:schemeClr val="tx1">
                     <a:tint val="75000"/>
@@ -2976,13 +2611,7 @@
       </p:sp>
       <p:sp>
         <p:nvSpPr>
-          <p:cNvPr id="6" name="Marcador de número de diapositiva 5">
-            <a:extLst>
-              <a:ext uri="{FF2B5EF4-FFF2-40B4-BE49-F238E27FC236}">
-                <a16:creationId xmlns:a16="http://schemas.microsoft.com/office/drawing/2014/main" id="{7789C8D1-2A62-4956-A533-2723974E7C3A}"/>
-              </a:ext>
-            </a:extLst>
-          </p:cNvPr>
+          <p:cNvPr id="6" name="Slide Number Placeholder 5"/>
           <p:cNvSpPr>
             <a:spLocks noGrp="1"/>
           </p:cNvSpPr>
@@ -2992,8 +2621,8 @@
         </p:nvSpPr>
         <p:spPr>
           <a:xfrm>
-            <a:off x="8610600" y="6356350"/>
-            <a:ext cx="2743200" cy="365125"/>
+            <a:off x="11153418" y="9693436"/>
+            <a:ext cx="3553301" cy="556816"/>
           </a:xfrm>
           <a:prstGeom prst="rect">
             <a:avLst/>
@@ -3003,7 +2632,7 @@
           <a:bodyPr vert="horz" lIns="91440" tIns="45720" rIns="91440" bIns="45720" rtlCol="0" anchor="ctr"/>
           <a:lstStyle>
             <a:lvl1pPr algn="r">
-              <a:defRPr sz="1200">
+              <a:defRPr sz="1830">
                 <a:solidFill>
                   <a:schemeClr val="tx1">
                     <a:tint val="75000"/>
@@ -3024,27 +2653,27 @@
     </p:spTree>
     <p:extLst>
       <p:ext uri="{BB962C8B-B14F-4D97-AF65-F5344CB8AC3E}">
-        <p14:creationId xmlns:p14="http://schemas.microsoft.com/office/powerpoint/2010/main" val="3012770852"/>
+        <p14:creationId xmlns:p14="http://schemas.microsoft.com/office/powerpoint/2010/main" val="1801628718"/>
       </p:ext>
     </p:extLst>
   </p:cSld>
   <p:clrMap bg1="lt1" tx1="dk1" bg2="lt2" tx2="dk2" accent1="accent1" accent2="accent2" accent3="accent3" accent4="accent4" accent5="accent5" accent6="accent6" hlink="hlink" folHlink="folHlink"/>
   <p:sldLayoutIdLst>
-    <p:sldLayoutId id="2147483649" r:id="rId1"/>
-    <p:sldLayoutId id="2147483650" r:id="rId2"/>
-    <p:sldLayoutId id="2147483651" r:id="rId3"/>
-    <p:sldLayoutId id="2147483652" r:id="rId4"/>
-    <p:sldLayoutId id="2147483653" r:id="rId5"/>
-    <p:sldLayoutId id="2147483654" r:id="rId6"/>
-    <p:sldLayoutId id="2147483655" r:id="rId7"/>
-    <p:sldLayoutId id="2147483656" r:id="rId8"/>
-    <p:sldLayoutId id="2147483657" r:id="rId9"/>
-    <p:sldLayoutId id="2147483658" r:id="rId10"/>
-    <p:sldLayoutId id="2147483659" r:id="rId11"/>
+    <p:sldLayoutId id="2147483661" r:id="rId1"/>
+    <p:sldLayoutId id="2147483662" r:id="rId2"/>
+    <p:sldLayoutId id="2147483663" r:id="rId3"/>
+    <p:sldLayoutId id="2147483664" r:id="rId4"/>
+    <p:sldLayoutId id="2147483665" r:id="rId5"/>
+    <p:sldLayoutId id="2147483666" r:id="rId6"/>
+    <p:sldLayoutId id="2147483667" r:id="rId7"/>
+    <p:sldLayoutId id="2147483668" r:id="rId8"/>
+    <p:sldLayoutId id="2147483669" r:id="rId9"/>
+    <p:sldLayoutId id="2147483670" r:id="rId10"/>
+    <p:sldLayoutId id="2147483671" r:id="rId11"/>
   </p:sldLayoutIdLst>
   <p:txStyles>
     <p:titleStyle>
-      <a:lvl1pPr algn="l" defTabSz="914400" rtl="0" eaLnBrk="1" latinLnBrk="0" hangingPunct="1">
+      <a:lvl1pPr algn="l" defTabSz="1394460" rtl="0" eaLnBrk="1" latinLnBrk="0" hangingPunct="1">
         <a:lnSpc>
           <a:spcPct val="90000"/>
         </a:lnSpc>
@@ -3052,7 +2681,7 @@
           <a:spcPct val="0"/>
         </a:spcBef>
         <a:buNone/>
-        <a:defRPr sz="4400" kern="1200">
+        <a:defRPr sz="6710" kern="1200">
           <a:solidFill>
             <a:schemeClr val="tx1"/>
           </a:solidFill>
@@ -3063,16 +2692,16 @@
       </a:lvl1pPr>
     </p:titleStyle>
     <p:bodyStyle>
-      <a:lvl1pPr marL="228600" indent="-228600" algn="l" defTabSz="914400" rtl="0" eaLnBrk="1" latinLnBrk="0" hangingPunct="1">
+      <a:lvl1pPr marL="348615" indent="-348615" algn="l" defTabSz="1394460" rtl="0" eaLnBrk="1" latinLnBrk="0" hangingPunct="1">
         <a:lnSpc>
           <a:spcPct val="90000"/>
         </a:lnSpc>
         <a:spcBef>
-          <a:spcPts val="1000"/>
+          <a:spcPts val="1525"/>
         </a:spcBef>
         <a:buFont typeface="Arial" panose="020B0604020202020204" pitchFamily="34" charset="0"/>
         <a:buChar char="•"/>
-        <a:defRPr sz="2800" kern="1200">
+        <a:defRPr sz="4270" kern="1200">
           <a:solidFill>
             <a:schemeClr val="tx1"/>
           </a:solidFill>
@@ -3081,16 +2710,16 @@
           <a:cs typeface="+mn-cs"/>
         </a:defRPr>
       </a:lvl1pPr>
-      <a:lvl2pPr marL="685800" indent="-228600" algn="l" defTabSz="914400" rtl="0" eaLnBrk="1" latinLnBrk="0" hangingPunct="1">
+      <a:lvl2pPr marL="1045845" indent="-348615" algn="l" defTabSz="1394460" rtl="0" eaLnBrk="1" latinLnBrk="0" hangingPunct="1">
         <a:lnSpc>
           <a:spcPct val="90000"/>
         </a:lnSpc>
         <a:spcBef>
-          <a:spcPts val="500"/>
+          <a:spcPts val="763"/>
         </a:spcBef>
         <a:buFont typeface="Arial" panose="020B0604020202020204" pitchFamily="34" charset="0"/>
         <a:buChar char="•"/>
-        <a:defRPr sz="2400" kern="1200">
+        <a:defRPr sz="3660" kern="1200">
           <a:solidFill>
             <a:schemeClr val="tx1"/>
           </a:solidFill>
@@ -3099,16 +2728,16 @@
           <a:cs typeface="+mn-cs"/>
         </a:defRPr>
       </a:lvl2pPr>
-      <a:lvl3pPr marL="1143000" indent="-228600" algn="l" defTabSz="914400" rtl="0" eaLnBrk="1" latinLnBrk="0" hangingPunct="1">
+      <a:lvl3pPr marL="1743075" indent="-348615" algn="l" defTabSz="1394460" rtl="0" eaLnBrk="1" latinLnBrk="0" hangingPunct="1">
         <a:lnSpc>
           <a:spcPct val="90000"/>
         </a:lnSpc>
         <a:spcBef>
-          <a:spcPts val="500"/>
+          <a:spcPts val="763"/>
         </a:spcBef>
         <a:buFont typeface="Arial" panose="020B0604020202020204" pitchFamily="34" charset="0"/>
         <a:buChar char="•"/>
-        <a:defRPr sz="2000" kern="1200">
+        <a:defRPr sz="3050" kern="1200">
           <a:solidFill>
             <a:schemeClr val="tx1"/>
           </a:solidFill>
@@ -3117,16 +2746,16 @@
           <a:cs typeface="+mn-cs"/>
         </a:defRPr>
       </a:lvl3pPr>
-      <a:lvl4pPr marL="1600200" indent="-228600" algn="l" defTabSz="914400" rtl="0" eaLnBrk="1" latinLnBrk="0" hangingPunct="1">
+      <a:lvl4pPr marL="2440305" indent="-348615" algn="l" defTabSz="1394460" rtl="0" eaLnBrk="1" latinLnBrk="0" hangingPunct="1">
         <a:lnSpc>
           <a:spcPct val="90000"/>
         </a:lnSpc>
         <a:spcBef>
-          <a:spcPts val="500"/>
+          <a:spcPts val="763"/>
         </a:spcBef>
         <a:buFont typeface="Arial" panose="020B0604020202020204" pitchFamily="34" charset="0"/>
         <a:buChar char="•"/>
-        <a:defRPr sz="1800" kern="1200">
+        <a:defRPr sz="2745" kern="1200">
           <a:solidFill>
             <a:schemeClr val="tx1"/>
           </a:solidFill>
@@ -3135,16 +2764,16 @@
           <a:cs typeface="+mn-cs"/>
         </a:defRPr>
       </a:lvl4pPr>
-      <a:lvl5pPr marL="2057400" indent="-228600" algn="l" defTabSz="914400" rtl="0" eaLnBrk="1" latinLnBrk="0" hangingPunct="1">
+      <a:lvl5pPr marL="3137535" indent="-348615" algn="l" defTabSz="1394460" rtl="0" eaLnBrk="1" latinLnBrk="0" hangingPunct="1">
         <a:lnSpc>
           <a:spcPct val="90000"/>
         </a:lnSpc>
         <a:spcBef>
-          <a:spcPts val="500"/>
+          <a:spcPts val="763"/>
         </a:spcBef>
         <a:buFont typeface="Arial" panose="020B0604020202020204" pitchFamily="34" charset="0"/>
         <a:buChar char="•"/>
-        <a:defRPr sz="1800" kern="1200">
+        <a:defRPr sz="2745" kern="1200">
           <a:solidFill>
             <a:schemeClr val="tx1"/>
           </a:solidFill>
@@ -3153,16 +2782,16 @@
           <a:cs typeface="+mn-cs"/>
         </a:defRPr>
       </a:lvl5pPr>
-      <a:lvl6pPr marL="2514600" indent="-228600" algn="l" defTabSz="914400" rtl="0" eaLnBrk="1" latinLnBrk="0" hangingPunct="1">
+      <a:lvl6pPr marL="3834765" indent="-348615" algn="l" defTabSz="1394460" rtl="0" eaLnBrk="1" latinLnBrk="0" hangingPunct="1">
         <a:lnSpc>
           <a:spcPct val="90000"/>
         </a:lnSpc>
         <a:spcBef>
-          <a:spcPts val="500"/>
+          <a:spcPts val="763"/>
         </a:spcBef>
         <a:buFont typeface="Arial" panose="020B0604020202020204" pitchFamily="34" charset="0"/>
         <a:buChar char="•"/>
-        <a:defRPr sz="1800" kern="1200">
+        <a:defRPr sz="2745" kern="1200">
           <a:solidFill>
             <a:schemeClr val="tx1"/>
           </a:solidFill>
@@ -3171,16 +2800,16 @@
           <a:cs typeface="+mn-cs"/>
         </a:defRPr>
       </a:lvl6pPr>
-      <a:lvl7pPr marL="2971800" indent="-228600" algn="l" defTabSz="914400" rtl="0" eaLnBrk="1" latinLnBrk="0" hangingPunct="1">
+      <a:lvl7pPr marL="4531995" indent="-348615" algn="l" defTabSz="1394460" rtl="0" eaLnBrk="1" latinLnBrk="0" hangingPunct="1">
         <a:lnSpc>
           <a:spcPct val="90000"/>
         </a:lnSpc>
         <a:spcBef>
-          <a:spcPts val="500"/>
+          <a:spcPts val="763"/>
         </a:spcBef>
         <a:buFont typeface="Arial" panose="020B0604020202020204" pitchFamily="34" charset="0"/>
         <a:buChar char="•"/>
-        <a:defRPr sz="1800" kern="1200">
+        <a:defRPr sz="2745" kern="1200">
           <a:solidFill>
             <a:schemeClr val="tx1"/>
           </a:solidFill>
@@ -3189,16 +2818,16 @@
           <a:cs typeface="+mn-cs"/>
         </a:defRPr>
       </a:lvl7pPr>
-      <a:lvl8pPr marL="3429000" indent="-228600" algn="l" defTabSz="914400" rtl="0" eaLnBrk="1" latinLnBrk="0" hangingPunct="1">
+      <a:lvl8pPr marL="5229225" indent="-348615" algn="l" defTabSz="1394460" rtl="0" eaLnBrk="1" latinLnBrk="0" hangingPunct="1">
         <a:lnSpc>
           <a:spcPct val="90000"/>
         </a:lnSpc>
         <a:spcBef>
-          <a:spcPts val="500"/>
+          <a:spcPts val="763"/>
         </a:spcBef>
         <a:buFont typeface="Arial" panose="020B0604020202020204" pitchFamily="34" charset="0"/>
         <a:buChar char="•"/>
-        <a:defRPr sz="1800" kern="1200">
+        <a:defRPr sz="2745" kern="1200">
           <a:solidFill>
             <a:schemeClr val="tx1"/>
           </a:solidFill>
@@ -3207,16 +2836,16 @@
           <a:cs typeface="+mn-cs"/>
         </a:defRPr>
       </a:lvl8pPr>
-      <a:lvl9pPr marL="3886200" indent="-228600" algn="l" defTabSz="914400" rtl="0" eaLnBrk="1" latinLnBrk="0" hangingPunct="1">
+      <a:lvl9pPr marL="5926455" indent="-348615" algn="l" defTabSz="1394460" rtl="0" eaLnBrk="1" latinLnBrk="0" hangingPunct="1">
         <a:lnSpc>
           <a:spcPct val="90000"/>
         </a:lnSpc>
         <a:spcBef>
-          <a:spcPts val="500"/>
+          <a:spcPts val="763"/>
         </a:spcBef>
         <a:buFont typeface="Arial" panose="020B0604020202020204" pitchFamily="34" charset="0"/>
         <a:buChar char="•"/>
-        <a:defRPr sz="1800" kern="1200">
+        <a:defRPr sz="2745" kern="1200">
           <a:solidFill>
             <a:schemeClr val="tx1"/>
           </a:solidFill>
@@ -3228,10 +2857,10 @@
     </p:bodyStyle>
     <p:otherStyle>
       <a:defPPr>
-        <a:defRPr lang="es-MX"/>
+        <a:defRPr lang="en-US"/>
       </a:defPPr>
-      <a:lvl1pPr marL="0" algn="l" defTabSz="914400" rtl="0" eaLnBrk="1" latinLnBrk="0" hangingPunct="1">
-        <a:defRPr sz="1800" kern="1200">
+      <a:lvl1pPr marL="0" algn="l" defTabSz="1394460" rtl="0" eaLnBrk="1" latinLnBrk="0" hangingPunct="1">
+        <a:defRPr sz="2745" kern="1200">
           <a:solidFill>
             <a:schemeClr val="tx1"/>
           </a:solidFill>
@@ -3240,8 +2869,8 @@
           <a:cs typeface="+mn-cs"/>
         </a:defRPr>
       </a:lvl1pPr>
-      <a:lvl2pPr marL="457200" algn="l" defTabSz="914400" rtl="0" eaLnBrk="1" latinLnBrk="0" hangingPunct="1">
-        <a:defRPr sz="1800" kern="1200">
+      <a:lvl2pPr marL="697230" algn="l" defTabSz="1394460" rtl="0" eaLnBrk="1" latinLnBrk="0" hangingPunct="1">
+        <a:defRPr sz="2745" kern="1200">
           <a:solidFill>
             <a:schemeClr val="tx1"/>
           </a:solidFill>
@@ -3250,8 +2879,8 @@
           <a:cs typeface="+mn-cs"/>
         </a:defRPr>
       </a:lvl2pPr>
-      <a:lvl3pPr marL="914400" algn="l" defTabSz="914400" rtl="0" eaLnBrk="1" latinLnBrk="0" hangingPunct="1">
-        <a:defRPr sz="1800" kern="1200">
+      <a:lvl3pPr marL="1394460" algn="l" defTabSz="1394460" rtl="0" eaLnBrk="1" latinLnBrk="0" hangingPunct="1">
+        <a:defRPr sz="2745" kern="1200">
           <a:solidFill>
             <a:schemeClr val="tx1"/>
           </a:solidFill>
@@ -3260,8 +2889,8 @@
           <a:cs typeface="+mn-cs"/>
         </a:defRPr>
       </a:lvl3pPr>
-      <a:lvl4pPr marL="1371600" algn="l" defTabSz="914400" rtl="0" eaLnBrk="1" latinLnBrk="0" hangingPunct="1">
-        <a:defRPr sz="1800" kern="1200">
+      <a:lvl4pPr marL="2091690" algn="l" defTabSz="1394460" rtl="0" eaLnBrk="1" latinLnBrk="0" hangingPunct="1">
+        <a:defRPr sz="2745" kern="1200">
           <a:solidFill>
             <a:schemeClr val="tx1"/>
           </a:solidFill>
@@ -3270,8 +2899,8 @@
           <a:cs typeface="+mn-cs"/>
         </a:defRPr>
       </a:lvl4pPr>
-      <a:lvl5pPr marL="1828800" algn="l" defTabSz="914400" rtl="0" eaLnBrk="1" latinLnBrk="0" hangingPunct="1">
-        <a:defRPr sz="1800" kern="1200">
+      <a:lvl5pPr marL="2788920" algn="l" defTabSz="1394460" rtl="0" eaLnBrk="1" latinLnBrk="0" hangingPunct="1">
+        <a:defRPr sz="2745" kern="1200">
           <a:solidFill>
             <a:schemeClr val="tx1"/>
           </a:solidFill>
@@ -3280,8 +2909,8 @@
           <a:cs typeface="+mn-cs"/>
         </a:defRPr>
       </a:lvl5pPr>
-      <a:lvl6pPr marL="2286000" algn="l" defTabSz="914400" rtl="0" eaLnBrk="1" latinLnBrk="0" hangingPunct="1">
-        <a:defRPr sz="1800" kern="1200">
+      <a:lvl6pPr marL="3486150" algn="l" defTabSz="1394460" rtl="0" eaLnBrk="1" latinLnBrk="0" hangingPunct="1">
+        <a:defRPr sz="2745" kern="1200">
           <a:solidFill>
             <a:schemeClr val="tx1"/>
           </a:solidFill>
@@ -3290,8 +2919,8 @@
           <a:cs typeface="+mn-cs"/>
         </a:defRPr>
       </a:lvl6pPr>
-      <a:lvl7pPr marL="2743200" algn="l" defTabSz="914400" rtl="0" eaLnBrk="1" latinLnBrk="0" hangingPunct="1">
-        <a:defRPr sz="1800" kern="1200">
+      <a:lvl7pPr marL="4183380" algn="l" defTabSz="1394460" rtl="0" eaLnBrk="1" latinLnBrk="0" hangingPunct="1">
+        <a:defRPr sz="2745" kern="1200">
           <a:solidFill>
             <a:schemeClr val="tx1"/>
           </a:solidFill>
@@ -3300,8 +2929,8 @@
           <a:cs typeface="+mn-cs"/>
         </a:defRPr>
       </a:lvl7pPr>
-      <a:lvl8pPr marL="3200400" algn="l" defTabSz="914400" rtl="0" eaLnBrk="1" latinLnBrk="0" hangingPunct="1">
-        <a:defRPr sz="1800" kern="1200">
+      <a:lvl8pPr marL="4880610" algn="l" defTabSz="1394460" rtl="0" eaLnBrk="1" latinLnBrk="0" hangingPunct="1">
+        <a:defRPr sz="2745" kern="1200">
           <a:solidFill>
             <a:schemeClr val="tx1"/>
           </a:solidFill>
@@ -3310,8 +2939,8 @@
           <a:cs typeface="+mn-cs"/>
         </a:defRPr>
       </a:lvl8pPr>
-      <a:lvl9pPr marL="3657600" algn="l" defTabSz="914400" rtl="0" eaLnBrk="1" latinLnBrk="0" hangingPunct="1">
-        <a:defRPr sz="1800" kern="1200">
+      <a:lvl9pPr marL="5577840" algn="l" defTabSz="1394460" rtl="0" eaLnBrk="1" latinLnBrk="0" hangingPunct="1">
+        <a:defRPr sz="2745" kern="1200">
           <a:solidFill>
             <a:schemeClr val="tx1"/>
           </a:solidFill>
@@ -3360,8 +2989,8 @@
         </p:nvSpPr>
         <p:spPr>
           <a:xfrm>
-            <a:off x="4965075" y="0"/>
-            <a:ext cx="5279254" cy="1219524"/>
+            <a:off x="6767621" y="-207133"/>
+            <a:ext cx="6838284" cy="1579665"/>
           </a:xfrm>
         </p:spPr>
         <p:txBody>
@@ -3371,11 +3000,15 @@
           <a:lstStyle/>
           <a:p>
             <a:r>
-              <a:rPr lang="es-MX" sz="4000" dirty="0"/>
+              <a:rPr lang="es-MX" sz="4145" dirty="0">
+                <a:latin typeface="Arial Black" panose="020B0A04020102020204" pitchFamily="34" charset="0"/>
+              </a:rPr>
               <a:t>Data </a:t>
             </a:r>
             <a:r>
-              <a:rPr lang="en-US" sz="4000" dirty="0"/>
+              <a:rPr lang="en-US" sz="4145" dirty="0">
+                <a:latin typeface="Arial Black" panose="020B0A04020102020204" pitchFamily="34" charset="0"/>
+              </a:rPr>
               <a:t>Warehouse</a:t>
             </a:r>
           </a:p>
@@ -3399,8 +3032,8 @@
         </p:nvSpPr>
         <p:spPr>
           <a:xfrm>
-            <a:off x="1496567" y="5101980"/>
-            <a:ext cx="1953853" cy="1590540"/>
+            <a:off x="2500053" y="7885518"/>
+            <a:ext cx="2530850" cy="2060246"/>
           </a:xfrm>
         </p:spPr>
         <p:txBody>
@@ -3416,13 +3049,13 @@
           </a:p>
           <a:p>
             <a:r>
-              <a:rPr lang="en-US" sz="1700" dirty="0"/>
+              <a:rPr lang="en-US" sz="2202" dirty="0"/>
               <a:t>Song data: json files</a:t>
             </a:r>
           </a:p>
           <a:p>
             <a:r>
-              <a:rPr lang="en-US" sz="1700" dirty="0"/>
+              <a:rPr lang="en-US" sz="2202" dirty="0"/>
               <a:t>Log data: json files</a:t>
             </a:r>
           </a:p>
@@ -3457,8 +3090,8 @@
         </p:blipFill>
         <p:spPr bwMode="auto">
           <a:xfrm>
-            <a:off x="507830" y="3839915"/>
-            <a:ext cx="3536617" cy="1219523"/>
+            <a:off x="1219329" y="6250750"/>
+            <a:ext cx="4581024" cy="1579663"/>
           </a:xfrm>
           <a:prstGeom prst="rect">
             <a:avLst/>
@@ -3504,8 +3137,8 @@
         </p:blipFill>
         <p:spPr bwMode="auto">
           <a:xfrm>
-            <a:off x="8141602" y="2459666"/>
-            <a:ext cx="3515932" cy="1757966"/>
+            <a:off x="10545919" y="3973635"/>
+            <a:ext cx="4554231" cy="2277115"/>
           </a:xfrm>
           <a:prstGeom prst="rect">
             <a:avLst/>
@@ -3522,92 +3155,6 @@
           </a:extLst>
         </p:spPr>
       </p:pic>
-      <p:sp>
-        <p:nvSpPr>
-          <p:cNvPr id="4" name="Flecha: a la derecha 3">
-            <a:extLst>
-              <a:ext uri="{FF2B5EF4-FFF2-40B4-BE49-F238E27FC236}">
-                <a16:creationId xmlns:a16="http://schemas.microsoft.com/office/drawing/2014/main" id="{CE66F52B-5D39-4814-A014-F5117FEED36D}"/>
-              </a:ext>
-            </a:extLst>
-          </p:cNvPr>
-          <p:cNvSpPr/>
-          <p:nvPr/>
-        </p:nvSpPr>
-        <p:spPr>
-          <a:xfrm rot="20102321">
-            <a:off x="4862459" y="4142626"/>
-            <a:ext cx="2605719" cy="953037"/>
-          </a:xfrm>
-          <a:prstGeom prst="rightArrow">
-            <a:avLst/>
-          </a:prstGeom>
-          <a:ln>
-            <a:noFill/>
-          </a:ln>
-          <a:effectLst/>
-          <a:scene3d>
-            <a:camera prst="orthographicFront">
-              <a:rot lat="0" lon="0" rev="0"/>
-            </a:camera>
-            <a:lightRig rig="chilly" dir="t">
-              <a:rot lat="0" lon="0" rev="18480000"/>
-            </a:lightRig>
-          </a:scene3d>
-          <a:sp3d prstMaterial="clear">
-            <a:bevelT h="63500"/>
-          </a:sp3d>
-        </p:spPr>
-        <p:style>
-          <a:lnRef idx="2">
-            <a:schemeClr val="accent1">
-              <a:shade val="50000"/>
-            </a:schemeClr>
-          </a:lnRef>
-          <a:fillRef idx="1">
-            <a:schemeClr val="accent1"/>
-          </a:fillRef>
-          <a:effectRef idx="0">
-            <a:schemeClr val="accent1"/>
-          </a:effectRef>
-          <a:fontRef idx="minor">
-            <a:schemeClr val="lt1"/>
-          </a:fontRef>
-        </p:style>
-        <p:txBody>
-          <a:bodyPr rtlCol="0" anchor="ctr">
-            <a:scene3d>
-              <a:camera prst="orthographicFront"/>
-              <a:lightRig rig="soft" dir="t">
-                <a:rot lat="0" lon="0" rev="15600000"/>
-              </a:lightRig>
-            </a:scene3d>
-            <a:sp3d extrusionH="57150" prstMaterial="softEdge">
-              <a:bevelT w="25400" h="38100"/>
-            </a:sp3d>
-          </a:bodyPr>
-          <a:lstStyle/>
-          <a:p>
-            <a:pPr algn="ctr"/>
-            <a:r>
-              <a:rPr lang="en-US" sz="2400" dirty="0">
-                <a:ln w="0"/>
-                <a:solidFill>
-                  <a:schemeClr val="tx1"/>
-                </a:solidFill>
-                <a:effectLst>
-                  <a:outerShdw blurRad="38100" dist="19050" dir="2700000" algn="tl" rotWithShape="0">
-                    <a:schemeClr val="dk1">
-                      <a:alpha val="40000"/>
-                    </a:schemeClr>
-                  </a:outerShdw>
-                </a:effectLst>
-              </a:rPr>
-              <a:t>ETL</a:t>
-            </a:r>
-          </a:p>
-        </p:txBody>
-      </p:sp>
       <p:pic>
         <p:nvPicPr>
           <p:cNvPr id="1030" name="Picture 6" descr="📊 Conoce qué es un data warehouse y cómo está compuesto 📈 | Crehana MX">
@@ -3646,8 +3193,8 @@
         </p:blipFill>
         <p:spPr bwMode="auto">
           <a:xfrm>
-            <a:off x="7604702" y="-249381"/>
-            <a:ext cx="4052832" cy="2120982"/>
+            <a:off x="9366372" y="-220613"/>
+            <a:ext cx="5249684" cy="2747334"/>
           </a:xfrm>
           <a:prstGeom prst="rect">
             <a:avLst/>
@@ -3666,92 +3213,6 @@
       </p:pic>
       <p:sp>
         <p:nvSpPr>
-          <p:cNvPr id="8" name="Flecha: a la derecha 7">
-            <a:extLst>
-              <a:ext uri="{FF2B5EF4-FFF2-40B4-BE49-F238E27FC236}">
-                <a16:creationId xmlns:a16="http://schemas.microsoft.com/office/drawing/2014/main" id="{AB857178-E290-40E6-9416-83DDD20E58FA}"/>
-              </a:ext>
-            </a:extLst>
-          </p:cNvPr>
-          <p:cNvSpPr/>
-          <p:nvPr/>
-        </p:nvSpPr>
-        <p:spPr>
-          <a:xfrm rot="958544">
-            <a:off x="4722610" y="2029166"/>
-            <a:ext cx="2605719" cy="953037"/>
-          </a:xfrm>
-          <a:prstGeom prst="rightArrow">
-            <a:avLst/>
-          </a:prstGeom>
-          <a:ln>
-            <a:noFill/>
-          </a:ln>
-          <a:effectLst/>
-          <a:scene3d>
-            <a:camera prst="orthographicFront">
-              <a:rot lat="0" lon="0" rev="0"/>
-            </a:camera>
-            <a:lightRig rig="chilly" dir="t">
-              <a:rot lat="0" lon="0" rev="18480000"/>
-            </a:lightRig>
-          </a:scene3d>
-          <a:sp3d prstMaterial="clear">
-            <a:bevelT h="63500"/>
-          </a:sp3d>
-        </p:spPr>
-        <p:style>
-          <a:lnRef idx="2">
-            <a:schemeClr val="accent1">
-              <a:shade val="50000"/>
-            </a:schemeClr>
-          </a:lnRef>
-          <a:fillRef idx="1">
-            <a:schemeClr val="accent1"/>
-          </a:fillRef>
-          <a:effectRef idx="0">
-            <a:schemeClr val="accent1"/>
-          </a:effectRef>
-          <a:fontRef idx="minor">
-            <a:schemeClr val="lt1"/>
-          </a:fontRef>
-        </p:style>
-        <p:txBody>
-          <a:bodyPr rtlCol="0" anchor="ctr">
-            <a:scene3d>
-              <a:camera prst="orthographicFront"/>
-              <a:lightRig rig="soft" dir="t">
-                <a:rot lat="0" lon="0" rev="15600000"/>
-              </a:lightRig>
-            </a:scene3d>
-            <a:sp3d extrusionH="57150" prstMaterial="softEdge">
-              <a:bevelT w="25400" h="38100"/>
-            </a:sp3d>
-          </a:bodyPr>
-          <a:lstStyle/>
-          <a:p>
-            <a:pPr algn="ctr"/>
-            <a:r>
-              <a:rPr lang="en-US" sz="2400" dirty="0">
-                <a:ln w="0"/>
-                <a:solidFill>
-                  <a:schemeClr val="tx1"/>
-                </a:solidFill>
-                <a:effectLst>
-                  <a:outerShdw blurRad="38100" dist="19050" dir="2700000" algn="tl" rotWithShape="0">
-                    <a:schemeClr val="dk1">
-                      <a:alpha val="40000"/>
-                    </a:schemeClr>
-                  </a:outerShdw>
-                </a:effectLst>
-              </a:rPr>
-              <a:t>DB Creation</a:t>
-            </a:r>
-          </a:p>
-        </p:txBody>
-      </p:sp>
-      <p:sp>
-        <p:nvSpPr>
           <p:cNvPr id="5" name="Rectángulo 4">
             <a:extLst>
               <a:ext uri="{FF2B5EF4-FFF2-40B4-BE49-F238E27FC236}">
@@ -3764,8 +3225,8 @@
         </p:nvSpPr>
         <p:spPr>
           <a:xfrm>
-            <a:off x="1674198" y="1024866"/>
-            <a:ext cx="1221414" cy="2015217"/>
+            <a:off x="2746877" y="1504269"/>
+            <a:ext cx="1582113" cy="2747335"/>
           </a:xfrm>
           <a:prstGeom prst="rect">
             <a:avLst/>
@@ -3814,71 +3275,63 @@
           <a:p>
             <a:pPr algn="ctr"/>
             <a:r>
-              <a:rPr lang="en-US" dirty="0" err="1"/>
+              <a:rPr lang="en-US" sz="2400" dirty="0"/>
               <a:t>songplays</a:t>
             </a:r>
-            <a:endParaRPr lang="en-US" dirty="0"/>
-          </a:p>
-          <a:p>
-            <a:r>
-              <a:rPr lang="en-US" sz="1100" dirty="0" err="1"/>
+          </a:p>
+          <a:p>
+            <a:r>
+              <a:rPr lang="en-US" sz="1425" dirty="0"/>
               <a:t>songplay_id</a:t>
             </a:r>
-            <a:endParaRPr lang="en-US" sz="1100" dirty="0"/>
-          </a:p>
-          <a:p>
-            <a:r>
-              <a:rPr lang="en-US" sz="1100" dirty="0" err="1"/>
+          </a:p>
+          <a:p>
+            <a:r>
+              <a:rPr lang="en-US" sz="1425" dirty="0"/>
               <a:t>start_time</a:t>
             </a:r>
-            <a:endParaRPr lang="en-US" sz="1100" dirty="0"/>
-          </a:p>
-          <a:p>
-            <a:r>
-              <a:rPr lang="en-US" sz="1100" dirty="0" err="1"/>
+          </a:p>
+          <a:p>
+            <a:r>
+              <a:rPr lang="en-US" sz="1425" dirty="0"/>
               <a:t>user_id</a:t>
             </a:r>
-            <a:endParaRPr lang="en-US" sz="1100" dirty="0"/>
-          </a:p>
-          <a:p>
-            <a:r>
-              <a:rPr lang="en-US" sz="1100" dirty="0"/>
+          </a:p>
+          <a:p>
+            <a:r>
+              <a:rPr lang="en-US" sz="1425" dirty="0"/>
               <a:t>level</a:t>
             </a:r>
           </a:p>
           <a:p>
             <a:r>
-              <a:rPr lang="en-US" sz="1100" dirty="0" err="1"/>
+              <a:rPr lang="en-US" sz="1425" dirty="0"/>
               <a:t>song_id</a:t>
             </a:r>
-            <a:endParaRPr lang="en-US" sz="1100" dirty="0"/>
-          </a:p>
-          <a:p>
-            <a:r>
-              <a:rPr lang="en-US" sz="1100" dirty="0" err="1"/>
+          </a:p>
+          <a:p>
+            <a:r>
+              <a:rPr lang="en-US" sz="1425" dirty="0"/>
               <a:t>artist_id</a:t>
             </a:r>
-            <a:endParaRPr lang="en-US" sz="1100" dirty="0"/>
-          </a:p>
-          <a:p>
-            <a:r>
-              <a:rPr lang="en-US" sz="1100" dirty="0" err="1"/>
+          </a:p>
+          <a:p>
+            <a:r>
+              <a:rPr lang="en-US" sz="1425" dirty="0"/>
               <a:t>session_id</a:t>
             </a:r>
-            <a:endParaRPr lang="en-US" sz="1100" dirty="0"/>
-          </a:p>
-          <a:p>
-            <a:r>
-              <a:rPr lang="en-US" sz="1100" dirty="0"/>
+          </a:p>
+          <a:p>
+            <a:r>
+              <a:rPr lang="en-US" sz="1425" dirty="0"/>
               <a:t>location</a:t>
             </a:r>
           </a:p>
           <a:p>
             <a:r>
-              <a:rPr lang="en-US" sz="1100" dirty="0" err="1"/>
+              <a:rPr lang="en-US" sz="1425" dirty="0"/>
               <a:t>user_agent</a:t>
             </a:r>
-            <a:endParaRPr lang="en-US" sz="1100" dirty="0"/>
           </a:p>
         </p:txBody>
       </p:sp>
@@ -3896,8 +3349,8 @@
         </p:nvSpPr>
         <p:spPr>
           <a:xfrm>
-            <a:off x="3051055" y="2641981"/>
-            <a:ext cx="1221414" cy="1214562"/>
+            <a:off x="4530337" y="3598939"/>
+            <a:ext cx="1582113" cy="1573237"/>
           </a:xfrm>
           <a:prstGeom prst="rect">
             <a:avLst/>
@@ -3933,41 +3386,38 @@
           <a:p>
             <a:pPr algn="ctr"/>
             <a:r>
-              <a:rPr lang="en-US" dirty="0"/>
+              <a:rPr lang="en-US" sz="3212" dirty="0"/>
               <a:t>users</a:t>
             </a:r>
-            <a:endParaRPr lang="en-US" sz="1100" dirty="0"/>
-          </a:p>
-          <a:p>
-            <a:r>
-              <a:rPr lang="en-US" sz="1100" dirty="0" err="1"/>
+            <a:endParaRPr lang="en-US" sz="1425" dirty="0"/>
+          </a:p>
+          <a:p>
+            <a:r>
+              <a:rPr lang="en-US" sz="1425" dirty="0"/>
               <a:t>user_id</a:t>
             </a:r>
-            <a:endParaRPr lang="en-US" sz="1100" dirty="0"/>
-          </a:p>
-          <a:p>
-            <a:r>
-              <a:rPr lang="en-US" sz="1100" dirty="0" err="1"/>
+          </a:p>
+          <a:p>
+            <a:r>
+              <a:rPr lang="en-US" sz="1425" dirty="0"/>
               <a:t>first_name</a:t>
             </a:r>
-            <a:endParaRPr lang="en-US" sz="1100" dirty="0"/>
-          </a:p>
-          <a:p>
-            <a:r>
-              <a:rPr lang="en-US" sz="1100" dirty="0" err="1"/>
+          </a:p>
+          <a:p>
+            <a:r>
+              <a:rPr lang="en-US" sz="1425" dirty="0"/>
               <a:t>last_name</a:t>
             </a:r>
-            <a:endParaRPr lang="en-US" sz="1100" dirty="0"/>
-          </a:p>
-          <a:p>
-            <a:r>
-              <a:rPr lang="en-US" sz="1100" dirty="0"/>
+          </a:p>
+          <a:p>
+            <a:r>
+              <a:rPr lang="en-US" sz="1425" dirty="0"/>
               <a:t>gender</a:t>
             </a:r>
           </a:p>
           <a:p>
             <a:r>
-              <a:rPr lang="en-US" sz="1100" dirty="0"/>
+              <a:rPr lang="en-US" sz="1425" dirty="0"/>
               <a:t>level</a:t>
             </a:r>
           </a:p>
@@ -3987,8 +3437,8 @@
         </p:nvSpPr>
         <p:spPr>
           <a:xfrm>
-            <a:off x="194366" y="203829"/>
-            <a:ext cx="1221414" cy="1214562"/>
+            <a:off x="830032" y="440770"/>
+            <a:ext cx="1582113" cy="1573237"/>
           </a:xfrm>
           <a:prstGeom prst="rect">
             <a:avLst/>
@@ -4024,40 +3474,38 @@
           <a:p>
             <a:pPr algn="ctr"/>
             <a:r>
-              <a:rPr lang="en-US" dirty="0"/>
+              <a:rPr lang="en-US" sz="3212" dirty="0"/>
               <a:t>songs</a:t>
             </a:r>
-            <a:endParaRPr lang="en-US" sz="1100" dirty="0"/>
-          </a:p>
-          <a:p>
-            <a:r>
-              <a:rPr lang="en-US" sz="1100" dirty="0" err="1"/>
+            <a:endParaRPr lang="en-US" sz="1425" dirty="0"/>
+          </a:p>
+          <a:p>
+            <a:r>
+              <a:rPr lang="en-US" sz="1425" dirty="0"/>
               <a:t>song_id</a:t>
             </a:r>
-            <a:endParaRPr lang="en-US" sz="1100" dirty="0"/>
-          </a:p>
-          <a:p>
-            <a:r>
-              <a:rPr lang="en-US" sz="1100" dirty="0"/>
+          </a:p>
+          <a:p>
+            <a:r>
+              <a:rPr lang="en-US" sz="1425" dirty="0"/>
               <a:t>title</a:t>
             </a:r>
           </a:p>
           <a:p>
             <a:r>
-              <a:rPr lang="en-US" sz="1100" dirty="0" err="1"/>
+              <a:rPr lang="en-US" sz="1425" dirty="0"/>
               <a:t>artist_id</a:t>
             </a:r>
-            <a:endParaRPr lang="en-US" sz="1100" dirty="0"/>
-          </a:p>
-          <a:p>
-            <a:r>
-              <a:rPr lang="en-US" sz="1100" dirty="0"/>
+          </a:p>
+          <a:p>
+            <a:r>
+              <a:rPr lang="en-US" sz="1425" dirty="0"/>
               <a:t>year</a:t>
             </a:r>
           </a:p>
           <a:p>
             <a:r>
-              <a:rPr lang="en-US" sz="1100" dirty="0"/>
+              <a:rPr lang="en-US" sz="1425" dirty="0"/>
               <a:t>duration</a:t>
             </a:r>
           </a:p>
@@ -4077,8 +3525,8 @@
         </p:nvSpPr>
         <p:spPr>
           <a:xfrm>
-            <a:off x="3057720" y="165480"/>
-            <a:ext cx="1221414" cy="1214562"/>
+            <a:off x="4538970" y="391096"/>
+            <a:ext cx="1582113" cy="1573237"/>
           </a:xfrm>
           <a:prstGeom prst="rect">
             <a:avLst/>
@@ -4114,39 +3562,38 @@
           <a:p>
             <a:pPr algn="ctr"/>
             <a:r>
-              <a:rPr lang="en-US" dirty="0"/>
+              <a:rPr lang="en-US" sz="3212" dirty="0"/>
               <a:t>artists</a:t>
             </a:r>
-            <a:endParaRPr lang="en-US" sz="1100" dirty="0"/>
-          </a:p>
-          <a:p>
-            <a:r>
-              <a:rPr lang="en-US" sz="1100" dirty="0" err="1"/>
+            <a:endParaRPr lang="en-US" sz="1425" dirty="0"/>
+          </a:p>
+          <a:p>
+            <a:r>
+              <a:rPr lang="en-US" sz="1425" dirty="0"/>
               <a:t>artist_id</a:t>
             </a:r>
-            <a:endParaRPr lang="en-US" sz="1100" dirty="0"/>
-          </a:p>
-          <a:p>
-            <a:r>
-              <a:rPr lang="en-US" sz="1100" dirty="0"/>
+          </a:p>
+          <a:p>
+            <a:r>
+              <a:rPr lang="en-US" sz="1425" dirty="0"/>
               <a:t>name</a:t>
             </a:r>
           </a:p>
           <a:p>
             <a:r>
-              <a:rPr lang="en-US" sz="1100" dirty="0"/>
+              <a:rPr lang="en-US" sz="1425" dirty="0"/>
               <a:t>location</a:t>
             </a:r>
           </a:p>
           <a:p>
             <a:r>
-              <a:rPr lang="en-US" sz="1100" dirty="0"/>
+              <a:rPr lang="en-US" sz="1425" dirty="0"/>
               <a:t>latitude</a:t>
             </a:r>
           </a:p>
           <a:p>
             <a:r>
-              <a:rPr lang="en-US" sz="1100" dirty="0"/>
+              <a:rPr lang="en-US" sz="1425" dirty="0"/>
               <a:t>longitude</a:t>
             </a:r>
           </a:p>
@@ -4166,8 +3613,8 @@
         </p:nvSpPr>
         <p:spPr>
           <a:xfrm>
-            <a:off x="212316" y="2311111"/>
-            <a:ext cx="1221414" cy="1545432"/>
+            <a:off x="853282" y="3170359"/>
+            <a:ext cx="1582113" cy="2001817"/>
           </a:xfrm>
           <a:prstGeom prst="rect">
             <a:avLst/>
@@ -4203,51 +3650,50 @@
           <a:p>
             <a:pPr algn="ctr"/>
             <a:r>
-              <a:rPr lang="en-US" dirty="0"/>
+              <a:rPr lang="en-US" sz="3212" dirty="0"/>
               <a:t>time</a:t>
             </a:r>
-            <a:endParaRPr lang="en-US" sz="1100" dirty="0"/>
-          </a:p>
-          <a:p>
-            <a:r>
-              <a:rPr lang="en-US" sz="1100" dirty="0" err="1"/>
+            <a:endParaRPr lang="en-US" sz="1425" dirty="0"/>
+          </a:p>
+          <a:p>
+            <a:r>
+              <a:rPr lang="en-US" sz="1425" dirty="0"/>
               <a:t>start_time</a:t>
             </a:r>
-            <a:endParaRPr lang="en-US" sz="1100" dirty="0"/>
-          </a:p>
-          <a:p>
-            <a:r>
-              <a:rPr lang="en-US" sz="1100" dirty="0"/>
+          </a:p>
+          <a:p>
+            <a:r>
+              <a:rPr lang="en-US" sz="1425" dirty="0"/>
               <a:t>hour</a:t>
             </a:r>
           </a:p>
           <a:p>
             <a:r>
-              <a:rPr lang="en-US" sz="1100" dirty="0"/>
+              <a:rPr lang="en-US" sz="1425" dirty="0"/>
               <a:t>day</a:t>
             </a:r>
           </a:p>
           <a:p>
             <a:r>
-              <a:rPr lang="en-US" sz="1100" dirty="0"/>
+              <a:rPr lang="en-US" sz="1425" dirty="0"/>
               <a:t>week</a:t>
             </a:r>
           </a:p>
           <a:p>
             <a:r>
-              <a:rPr lang="en-US" sz="1100" dirty="0"/>
+              <a:rPr lang="en-US" sz="1425" dirty="0"/>
               <a:t>Month</a:t>
             </a:r>
           </a:p>
           <a:p>
             <a:r>
-              <a:rPr lang="en-US" sz="1100" dirty="0"/>
+              <a:rPr lang="en-US" sz="1425" dirty="0"/>
               <a:t>Year</a:t>
             </a:r>
           </a:p>
           <a:p>
             <a:r>
-              <a:rPr lang="en-US" sz="1100" dirty="0"/>
+              <a:rPr lang="en-US" sz="1425" dirty="0"/>
               <a:t>weekday</a:t>
             </a:r>
           </a:p>
@@ -4270,8 +3716,8 @@
         </p:nvCxnSpPr>
         <p:spPr>
           <a:xfrm rot="10800000">
-            <a:off x="1415781" y="811110"/>
-            <a:ext cx="696371" cy="213754"/>
+            <a:off x="2412147" y="1227388"/>
+            <a:ext cx="902018" cy="276878"/>
           </a:xfrm>
           <a:prstGeom prst="bentConnector3">
             <a:avLst>
@@ -4310,8 +3756,8 @@
         </p:nvCxnSpPr>
         <p:spPr>
           <a:xfrm rot="10800000" flipV="1">
-            <a:off x="2484999" y="803813"/>
-            <a:ext cx="572721" cy="213754"/>
+            <a:off x="3797118" y="1217937"/>
+            <a:ext cx="741853" cy="276878"/>
           </a:xfrm>
           <a:prstGeom prst="bentConnector3">
             <a:avLst/>
@@ -4348,8 +3794,8 @@
         </p:nvCxnSpPr>
         <p:spPr>
           <a:xfrm rot="10800000">
-            <a:off x="2752474" y="3047382"/>
-            <a:ext cx="286275" cy="209178"/>
+            <a:off x="4143581" y="4124059"/>
+            <a:ext cx="370816" cy="270951"/>
           </a:xfrm>
           <a:prstGeom prst="bentConnector3">
             <a:avLst>
@@ -4388,8 +3834,8 @@
         </p:nvCxnSpPr>
         <p:spPr>
           <a:xfrm flipV="1">
-            <a:off x="1450970" y="2982799"/>
-            <a:ext cx="576786" cy="463589"/>
+            <a:off x="2457727" y="4040405"/>
+            <a:ext cx="747118" cy="600493"/>
           </a:xfrm>
           <a:prstGeom prst="bentConnector3">
             <a:avLst>
@@ -4412,6 +3858,436 @@
           </a:fontRef>
         </p:style>
       </p:cxnSp>
+      <p:sp>
+        <p:nvSpPr>
+          <p:cNvPr id="6" name="Flecha: doblada hacia arriba 5">
+            <a:extLst>
+              <a:ext uri="{FF2B5EF4-FFF2-40B4-BE49-F238E27FC236}">
+                <a16:creationId xmlns:a16="http://schemas.microsoft.com/office/drawing/2014/main" id="{585F9A6D-03EE-4782-A867-5EC228D55913}"/>
+              </a:ext>
+            </a:extLst>
+          </p:cNvPr>
+          <p:cNvSpPr/>
+          <p:nvPr/>
+        </p:nvSpPr>
+        <p:spPr>
+          <a:xfrm flipV="1">
+            <a:off x="6385072" y="2415403"/>
+            <a:ext cx="5532348" cy="1661556"/>
+          </a:xfrm>
+          <a:prstGeom prst="bentUpArrow">
+            <a:avLst/>
+          </a:prstGeom>
+          <a:ln>
+            <a:noFill/>
+          </a:ln>
+          <a:effectLst>
+            <a:outerShdw blurRad="44450" dist="27940" dir="5400000" algn="ctr">
+              <a:srgbClr val="000000">
+                <a:alpha val="32000"/>
+              </a:srgbClr>
+            </a:outerShdw>
+          </a:effectLst>
+          <a:scene3d>
+            <a:camera prst="orthographicFront">
+              <a:rot lat="0" lon="0" rev="0"/>
+            </a:camera>
+            <a:lightRig rig="balanced" dir="t">
+              <a:rot lat="0" lon="0" rev="8700000"/>
+            </a:lightRig>
+          </a:scene3d>
+          <a:sp3d>
+            <a:bevelT w="190500" h="38100"/>
+          </a:sp3d>
+        </p:spPr>
+        <p:style>
+          <a:lnRef idx="0">
+            <a:schemeClr val="accent4"/>
+          </a:lnRef>
+          <a:fillRef idx="3">
+            <a:schemeClr val="accent4"/>
+          </a:fillRef>
+          <a:effectRef idx="3">
+            <a:schemeClr val="accent4"/>
+          </a:effectRef>
+          <a:fontRef idx="minor">
+            <a:schemeClr val="lt1"/>
+          </a:fontRef>
+        </p:style>
+        <p:txBody>
+          <a:bodyPr vert="horz" rtlCol="0" anchor="ctr"/>
+          <a:lstStyle/>
+          <a:p>
+            <a:pPr algn="ctr"/>
+            <a:endParaRPr lang="en-US" dirty="0"/>
+          </a:p>
+        </p:txBody>
+      </p:sp>
+      <p:sp>
+        <p:nvSpPr>
+          <p:cNvPr id="19" name="Flecha: doblada hacia arriba 18">
+            <a:extLst>
+              <a:ext uri="{FF2B5EF4-FFF2-40B4-BE49-F238E27FC236}">
+                <a16:creationId xmlns:a16="http://schemas.microsoft.com/office/drawing/2014/main" id="{36A26B71-D2BE-4428-B2C4-54645AE43797}"/>
+              </a:ext>
+            </a:extLst>
+          </p:cNvPr>
+          <p:cNvSpPr/>
+          <p:nvPr/>
+        </p:nvSpPr>
+        <p:spPr>
+          <a:xfrm>
+            <a:off x="6362740" y="6339954"/>
+            <a:ext cx="5670444" cy="1819668"/>
+          </a:xfrm>
+          <a:prstGeom prst="bentUpArrow">
+            <a:avLst/>
+          </a:prstGeom>
+          <a:ln>
+            <a:noFill/>
+          </a:ln>
+          <a:effectLst>
+            <a:outerShdw blurRad="44450" dist="27940" dir="5400000" algn="ctr">
+              <a:srgbClr val="000000">
+                <a:alpha val="32000"/>
+              </a:srgbClr>
+            </a:outerShdw>
+          </a:effectLst>
+          <a:scene3d>
+            <a:camera prst="orthographicFront">
+              <a:rot lat="0" lon="0" rev="0"/>
+            </a:camera>
+            <a:lightRig rig="balanced" dir="t">
+              <a:rot lat="0" lon="0" rev="8700000"/>
+            </a:lightRig>
+          </a:scene3d>
+          <a:sp3d>
+            <a:bevelT w="190500" h="38100"/>
+          </a:sp3d>
+        </p:spPr>
+        <p:style>
+          <a:lnRef idx="0">
+            <a:schemeClr val="accent4"/>
+          </a:lnRef>
+          <a:fillRef idx="3">
+            <a:schemeClr val="accent4"/>
+          </a:fillRef>
+          <a:effectRef idx="3">
+            <a:schemeClr val="accent4"/>
+          </a:effectRef>
+          <a:fontRef idx="minor">
+            <a:schemeClr val="lt1"/>
+          </a:fontRef>
+        </p:style>
+        <p:txBody>
+          <a:bodyPr vert="horz" rtlCol="0" anchor="ctr"/>
+          <a:lstStyle/>
+          <a:p>
+            <a:pPr algn="ctr"/>
+            <a:endParaRPr lang="en-US" dirty="0"/>
+          </a:p>
+        </p:txBody>
+      </p:sp>
+      <p:sp>
+        <p:nvSpPr>
+          <p:cNvPr id="7" name="CuadroTexto 6">
+            <a:extLst>
+              <a:ext uri="{FF2B5EF4-FFF2-40B4-BE49-F238E27FC236}">
+                <a16:creationId xmlns:a16="http://schemas.microsoft.com/office/drawing/2014/main" id="{02D78ADD-2A94-4FA5-B587-28B3BCBBED50}"/>
+              </a:ext>
+            </a:extLst>
+          </p:cNvPr>
+          <p:cNvSpPr txBox="1"/>
+          <p:nvPr/>
+        </p:nvSpPr>
+        <p:spPr>
+          <a:xfrm>
+            <a:off x="12619738" y="5833687"/>
+            <a:ext cx="2279603" cy="461665"/>
+          </a:xfrm>
+          <a:prstGeom prst="rect">
+            <a:avLst/>
+          </a:prstGeom>
+          <a:noFill/>
+        </p:spPr>
+        <p:txBody>
+          <a:bodyPr wrap="square" rtlCol="0">
+            <a:spAutoFit/>
+          </a:bodyPr>
+          <a:lstStyle/>
+          <a:p>
+            <a:r>
+              <a:rPr lang="en-US" sz="2400" dirty="0">
+                <a:latin typeface="Arial Black" panose="020B0A04020102020204" pitchFamily="34" charset="0"/>
+              </a:rPr>
+              <a:t>DB Cluster</a:t>
+            </a:r>
+          </a:p>
+        </p:txBody>
+      </p:sp>
+      <p:sp>
+        <p:nvSpPr>
+          <p:cNvPr id="22" name="CuadroTexto 21">
+            <a:extLst>
+              <a:ext uri="{FF2B5EF4-FFF2-40B4-BE49-F238E27FC236}">
+                <a16:creationId xmlns:a16="http://schemas.microsoft.com/office/drawing/2014/main" id="{C2CAE515-C20F-4569-8243-071F5F526A0C}"/>
+              </a:ext>
+            </a:extLst>
+          </p:cNvPr>
+          <p:cNvSpPr txBox="1"/>
+          <p:nvPr/>
+        </p:nvSpPr>
+        <p:spPr>
+          <a:xfrm>
+            <a:off x="7964452" y="3136124"/>
+            <a:ext cx="2279603" cy="830997"/>
+          </a:xfrm>
+          <a:prstGeom prst="rect">
+            <a:avLst/>
+          </a:prstGeom>
+          <a:noFill/>
+        </p:spPr>
+        <p:txBody>
+          <a:bodyPr wrap="square" rtlCol="0">
+            <a:spAutoFit/>
+          </a:bodyPr>
+          <a:lstStyle/>
+          <a:p>
+            <a:pPr algn="ctr"/>
+            <a:r>
+              <a:rPr lang="en-US" sz="2400" dirty="0">
+                <a:latin typeface="Arial Black" panose="020B0A04020102020204" pitchFamily="34" charset="0"/>
+              </a:rPr>
+              <a:t>Creation of Tables</a:t>
+            </a:r>
+          </a:p>
+        </p:txBody>
+      </p:sp>
+      <p:sp>
+        <p:nvSpPr>
+          <p:cNvPr id="23" name="CuadroTexto 22">
+            <a:extLst>
+              <a:ext uri="{FF2B5EF4-FFF2-40B4-BE49-F238E27FC236}">
+                <a16:creationId xmlns:a16="http://schemas.microsoft.com/office/drawing/2014/main" id="{BA4FF472-C385-4330-BC72-34634DA97B7A}"/>
+              </a:ext>
+            </a:extLst>
+          </p:cNvPr>
+          <p:cNvSpPr txBox="1"/>
+          <p:nvPr/>
+        </p:nvSpPr>
+        <p:spPr>
+          <a:xfrm>
+            <a:off x="7896225" y="6625082"/>
+            <a:ext cx="2279603" cy="461665"/>
+          </a:xfrm>
+          <a:prstGeom prst="rect">
+            <a:avLst/>
+          </a:prstGeom>
+          <a:noFill/>
+        </p:spPr>
+        <p:txBody>
+          <a:bodyPr wrap="square" rtlCol="0">
+            <a:spAutoFit/>
+          </a:bodyPr>
+          <a:lstStyle/>
+          <a:p>
+            <a:pPr algn="ctr"/>
+            <a:r>
+              <a:rPr lang="en-US" sz="2400" dirty="0">
+                <a:latin typeface="Arial Black" panose="020B0A04020102020204" pitchFamily="34" charset="0"/>
+              </a:rPr>
+              <a:t>ETL</a:t>
+            </a:r>
+          </a:p>
+        </p:txBody>
+      </p:sp>
+      <p:sp>
+        <p:nvSpPr>
+          <p:cNvPr id="24" name="CuadroTexto 23">
+            <a:extLst>
+              <a:ext uri="{FF2B5EF4-FFF2-40B4-BE49-F238E27FC236}">
+                <a16:creationId xmlns:a16="http://schemas.microsoft.com/office/drawing/2014/main" id="{D14A75BA-82E4-45DF-9DB1-E6042FDE9355}"/>
+              </a:ext>
+            </a:extLst>
+          </p:cNvPr>
+          <p:cNvSpPr txBox="1"/>
+          <p:nvPr/>
+        </p:nvSpPr>
+        <p:spPr>
+          <a:xfrm>
+            <a:off x="694333" y="7830413"/>
+            <a:ext cx="2279603" cy="830997"/>
+          </a:xfrm>
+          <a:prstGeom prst="rect">
+            <a:avLst/>
+          </a:prstGeom>
+          <a:noFill/>
+        </p:spPr>
+        <p:txBody>
+          <a:bodyPr wrap="square" rtlCol="0">
+            <a:spAutoFit/>
+          </a:bodyPr>
+          <a:lstStyle/>
+          <a:p>
+            <a:r>
+              <a:rPr lang="en-US" sz="2400" dirty="0">
+                <a:latin typeface="Arial Black" panose="020B0A04020102020204" pitchFamily="34" charset="0"/>
+              </a:rPr>
+              <a:t>Sparkify Data</a:t>
+            </a:r>
+          </a:p>
+        </p:txBody>
+      </p:sp>
+      <p:sp>
+        <p:nvSpPr>
+          <p:cNvPr id="9" name="Rectángulo 8">
+            <a:extLst>
+              <a:ext uri="{FF2B5EF4-FFF2-40B4-BE49-F238E27FC236}">
+                <a16:creationId xmlns:a16="http://schemas.microsoft.com/office/drawing/2014/main" id="{8A8E845B-40F9-4FFA-AA09-4BA0F5654161}"/>
+              </a:ext>
+            </a:extLst>
+          </p:cNvPr>
+          <p:cNvSpPr/>
+          <p:nvPr/>
+        </p:nvSpPr>
+        <p:spPr>
+          <a:xfrm>
+            <a:off x="448235" y="5833687"/>
+            <a:ext cx="5914505" cy="4218228"/>
+          </a:xfrm>
+          <a:prstGeom prst="rect">
+            <a:avLst/>
+          </a:prstGeom>
+          <a:noFill/>
+          <a:ln>
+            <a:prstDash val="lgDash"/>
+          </a:ln>
+        </p:spPr>
+        <p:style>
+          <a:lnRef idx="2">
+            <a:schemeClr val="accent1">
+              <a:shade val="50000"/>
+            </a:schemeClr>
+          </a:lnRef>
+          <a:fillRef idx="1">
+            <a:schemeClr val="accent1"/>
+          </a:fillRef>
+          <a:effectRef idx="0">
+            <a:schemeClr val="accent1"/>
+          </a:effectRef>
+          <a:fontRef idx="minor">
+            <a:schemeClr val="lt1"/>
+          </a:fontRef>
+        </p:style>
+        <p:txBody>
+          <a:bodyPr rtlCol="0" anchor="ctr"/>
+          <a:lstStyle/>
+          <a:p>
+            <a:pPr algn="ctr"/>
+            <a:endParaRPr lang="en-US"/>
+          </a:p>
+        </p:txBody>
+      </p:sp>
+      <p:sp>
+        <p:nvSpPr>
+          <p:cNvPr id="25" name="Rectángulo 24">
+            <a:extLst>
+              <a:ext uri="{FF2B5EF4-FFF2-40B4-BE49-F238E27FC236}">
+                <a16:creationId xmlns:a16="http://schemas.microsoft.com/office/drawing/2014/main" id="{84D5FDAF-16A1-4CCD-949D-FB9EC9084E69}"/>
+              </a:ext>
+            </a:extLst>
+          </p:cNvPr>
+          <p:cNvSpPr/>
+          <p:nvPr/>
+        </p:nvSpPr>
+        <p:spPr>
+          <a:xfrm>
+            <a:off x="448234" y="205470"/>
+            <a:ext cx="5914506" cy="5248518"/>
+          </a:xfrm>
+          <a:prstGeom prst="rect">
+            <a:avLst/>
+          </a:prstGeom>
+          <a:noFill/>
+          <a:ln>
+            <a:prstDash val="lgDash"/>
+          </a:ln>
+        </p:spPr>
+        <p:style>
+          <a:lnRef idx="2">
+            <a:schemeClr val="accent1">
+              <a:shade val="50000"/>
+            </a:schemeClr>
+          </a:lnRef>
+          <a:fillRef idx="1">
+            <a:schemeClr val="accent1"/>
+          </a:fillRef>
+          <a:effectRef idx="0">
+            <a:schemeClr val="accent1"/>
+          </a:effectRef>
+          <a:fontRef idx="minor">
+            <a:schemeClr val="lt1"/>
+          </a:fontRef>
+        </p:style>
+        <p:txBody>
+          <a:bodyPr rtlCol="0" anchor="ctr"/>
+          <a:lstStyle/>
+          <a:p>
+            <a:pPr algn="ctr"/>
+            <a:endParaRPr lang="en-US"/>
+          </a:p>
+        </p:txBody>
+      </p:sp>
+      <p:sp>
+        <p:nvSpPr>
+          <p:cNvPr id="26" name="Rectángulo 25">
+            <a:extLst>
+              <a:ext uri="{FF2B5EF4-FFF2-40B4-BE49-F238E27FC236}">
+                <a16:creationId xmlns:a16="http://schemas.microsoft.com/office/drawing/2014/main" id="{7322C2A3-43D0-4EA1-B7B4-29485E50DFA8}"/>
+              </a:ext>
+            </a:extLst>
+          </p:cNvPr>
+          <p:cNvSpPr/>
+          <p:nvPr/>
+        </p:nvSpPr>
+        <p:spPr>
+          <a:xfrm>
+            <a:off x="10545919" y="4118496"/>
+            <a:ext cx="4554231" cy="2176856"/>
+          </a:xfrm>
+          <a:prstGeom prst="rect">
+            <a:avLst/>
+          </a:prstGeom>
+          <a:noFill/>
+          <a:ln>
+            <a:prstDash val="lgDash"/>
+          </a:ln>
+        </p:spPr>
+        <p:style>
+          <a:lnRef idx="2">
+            <a:schemeClr val="accent1">
+              <a:shade val="50000"/>
+            </a:schemeClr>
+          </a:lnRef>
+          <a:fillRef idx="1">
+            <a:schemeClr val="accent1"/>
+          </a:fillRef>
+          <a:effectRef idx="0">
+            <a:schemeClr val="accent1"/>
+          </a:effectRef>
+          <a:fontRef idx="minor">
+            <a:schemeClr val="lt1"/>
+          </a:fontRef>
+        </p:style>
+        <p:txBody>
+          <a:bodyPr rtlCol="0" anchor="ctr"/>
+          <a:lstStyle/>
+          <a:p>
+            <a:pPr algn="ctr"/>
+            <a:endParaRPr lang="en-US"/>
+          </a:p>
+        </p:txBody>
+      </p:sp>
     </p:spTree>
     <p:extLst>
       <p:ext uri="{BB962C8B-B14F-4D97-AF65-F5344CB8AC3E}">
@@ -4428,7 +4304,7 @@
 <file path=ppt/theme/theme1.xml><?xml version="1.0" encoding="utf-8"?>
 <a:theme xmlns:a="http://schemas.openxmlformats.org/drawingml/2006/main" name="Tema de Office">
   <a:themeElements>
-    <a:clrScheme name="Office">
+    <a:clrScheme name="Tema de Office">
       <a:dk1>
         <a:sysClr val="windowText" lastClr="000000"/>
       </a:dk1>
@@ -4466,7 +4342,7 @@
         <a:srgbClr val="954F72"/>
       </a:folHlink>
     </a:clrScheme>
-    <a:fontScheme name="Office">
+    <a:fontScheme name="Tema de Office">
       <a:majorFont>
         <a:latin typeface="Calibri Light" panose="020F0302020204030204"/>
         <a:ea typeface=""/>
@@ -4501,23 +4377,6 @@
         <a:font script="Viet" typeface="Times New Roman"/>
         <a:font script="Uigh" typeface="Microsoft Uighur"/>
         <a:font script="Geor" typeface="Sylfaen"/>
-        <a:font script="Armn" typeface="Arial"/>
-        <a:font script="Bugi" typeface="Leelawadee UI"/>
-        <a:font script="Bopo" typeface="Microsoft JhengHei"/>
-        <a:font script="Java" typeface="Javanese Text"/>
-        <a:font script="Lisu" typeface="Segoe UI"/>
-        <a:font script="Mymr" typeface="Myanmar Text"/>
-        <a:font script="Nkoo" typeface="Ebrima"/>
-        <a:font script="Olck" typeface="Nirmala UI"/>
-        <a:font script="Osma" typeface="Ebrima"/>
-        <a:font script="Phag" typeface="Phagspa"/>
-        <a:font script="Syrn" typeface="Estrangelo Edessa"/>
-        <a:font script="Syrj" typeface="Estrangelo Edessa"/>
-        <a:font script="Syre" typeface="Estrangelo Edessa"/>
-        <a:font script="Sora" typeface="Nirmala UI"/>
-        <a:font script="Tale" typeface="Microsoft Tai Le"/>
-        <a:font script="Talu" typeface="Microsoft New Tai Lue"/>
-        <a:font script="Tfng" typeface="Ebrima"/>
       </a:majorFont>
       <a:minorFont>
         <a:latin typeface="Calibri" panose="020F0502020204030204"/>
@@ -4553,26 +4412,9 @@
         <a:font script="Viet" typeface="Arial"/>
         <a:font script="Uigh" typeface="Microsoft Uighur"/>
         <a:font script="Geor" typeface="Sylfaen"/>
-        <a:font script="Armn" typeface="Arial"/>
-        <a:font script="Bugi" typeface="Leelawadee UI"/>
-        <a:font script="Bopo" typeface="Microsoft JhengHei"/>
-        <a:font script="Java" typeface="Javanese Text"/>
-        <a:font script="Lisu" typeface="Segoe UI"/>
-        <a:font script="Mymr" typeface="Myanmar Text"/>
-        <a:font script="Nkoo" typeface="Ebrima"/>
-        <a:font script="Olck" typeface="Nirmala UI"/>
-        <a:font script="Osma" typeface="Ebrima"/>
-        <a:font script="Phag" typeface="Phagspa"/>
-        <a:font script="Syrn" typeface="Estrangelo Edessa"/>
-        <a:font script="Syrj" typeface="Estrangelo Edessa"/>
-        <a:font script="Syre" typeface="Estrangelo Edessa"/>
-        <a:font script="Sora" typeface="Nirmala UI"/>
-        <a:font script="Tale" typeface="Microsoft Tai Le"/>
-        <a:font script="Talu" typeface="Microsoft New Tai Lue"/>
-        <a:font script="Tfng" typeface="Ebrima"/>
       </a:minorFont>
     </a:fontScheme>
-    <a:fmtScheme name="Office">
+    <a:fmtScheme name="Tema de Office">
       <a:fillStyleLst>
         <a:solidFill>
           <a:schemeClr val="phClr"/>
